--- a/pic/demo.pptx
+++ b/pic/demo.pptx
@@ -245,7 +245,7 @@
           <a:p>
             <a:fld id="{7AE9A254-9CF9-9346-AA02-665DC6003AFF}" type="datetimeFigureOut">
               <a:rPr kumimoji="1" lang="zh-CN" altLang="en-US" smtClean="0"/>
-              <a:t>2021/11/18</a:t>
+              <a:t>2022/6/5</a:t>
             </a:fld>
             <a:endParaRPr kumimoji="1" lang="zh-CN" altLang="en-US"/>
           </a:p>
@@ -415,7 +415,7 @@
           <a:p>
             <a:fld id="{7AE9A254-9CF9-9346-AA02-665DC6003AFF}" type="datetimeFigureOut">
               <a:rPr kumimoji="1" lang="zh-CN" altLang="en-US" smtClean="0"/>
-              <a:t>2021/11/18</a:t>
+              <a:t>2022/6/5</a:t>
             </a:fld>
             <a:endParaRPr kumimoji="1" lang="zh-CN" altLang="en-US"/>
           </a:p>
@@ -595,7 +595,7 @@
           <a:p>
             <a:fld id="{7AE9A254-9CF9-9346-AA02-665DC6003AFF}" type="datetimeFigureOut">
               <a:rPr kumimoji="1" lang="zh-CN" altLang="en-US" smtClean="0"/>
-              <a:t>2021/11/18</a:t>
+              <a:t>2022/6/5</a:t>
             </a:fld>
             <a:endParaRPr kumimoji="1" lang="zh-CN" altLang="en-US"/>
           </a:p>
@@ -765,7 +765,7 @@
           <a:p>
             <a:fld id="{7AE9A254-9CF9-9346-AA02-665DC6003AFF}" type="datetimeFigureOut">
               <a:rPr kumimoji="1" lang="zh-CN" altLang="en-US" smtClean="0"/>
-              <a:t>2021/11/18</a:t>
+              <a:t>2022/6/5</a:t>
             </a:fld>
             <a:endParaRPr kumimoji="1" lang="zh-CN" altLang="en-US"/>
           </a:p>
@@ -1009,7 +1009,7 @@
           <a:p>
             <a:fld id="{7AE9A254-9CF9-9346-AA02-665DC6003AFF}" type="datetimeFigureOut">
               <a:rPr kumimoji="1" lang="zh-CN" altLang="en-US" smtClean="0"/>
-              <a:t>2021/11/18</a:t>
+              <a:t>2022/6/5</a:t>
             </a:fld>
             <a:endParaRPr kumimoji="1" lang="zh-CN" altLang="en-US"/>
           </a:p>
@@ -1241,7 +1241,7 @@
           <a:p>
             <a:fld id="{7AE9A254-9CF9-9346-AA02-665DC6003AFF}" type="datetimeFigureOut">
               <a:rPr kumimoji="1" lang="zh-CN" altLang="en-US" smtClean="0"/>
-              <a:t>2021/11/18</a:t>
+              <a:t>2022/6/5</a:t>
             </a:fld>
             <a:endParaRPr kumimoji="1" lang="zh-CN" altLang="en-US"/>
           </a:p>
@@ -1608,7 +1608,7 @@
           <a:p>
             <a:fld id="{7AE9A254-9CF9-9346-AA02-665DC6003AFF}" type="datetimeFigureOut">
               <a:rPr kumimoji="1" lang="zh-CN" altLang="en-US" smtClean="0"/>
-              <a:t>2021/11/18</a:t>
+              <a:t>2022/6/5</a:t>
             </a:fld>
             <a:endParaRPr kumimoji="1" lang="zh-CN" altLang="en-US"/>
           </a:p>
@@ -1726,7 +1726,7 @@
           <a:p>
             <a:fld id="{7AE9A254-9CF9-9346-AA02-665DC6003AFF}" type="datetimeFigureOut">
               <a:rPr kumimoji="1" lang="zh-CN" altLang="en-US" smtClean="0"/>
-              <a:t>2021/11/18</a:t>
+              <a:t>2022/6/5</a:t>
             </a:fld>
             <a:endParaRPr kumimoji="1" lang="zh-CN" altLang="en-US"/>
           </a:p>
@@ -1821,7 +1821,7 @@
           <a:p>
             <a:fld id="{7AE9A254-9CF9-9346-AA02-665DC6003AFF}" type="datetimeFigureOut">
               <a:rPr kumimoji="1" lang="zh-CN" altLang="en-US" smtClean="0"/>
-              <a:t>2021/11/18</a:t>
+              <a:t>2022/6/5</a:t>
             </a:fld>
             <a:endParaRPr kumimoji="1" lang="zh-CN" altLang="en-US"/>
           </a:p>
@@ -2098,7 +2098,7 @@
           <a:p>
             <a:fld id="{7AE9A254-9CF9-9346-AA02-665DC6003AFF}" type="datetimeFigureOut">
               <a:rPr kumimoji="1" lang="zh-CN" altLang="en-US" smtClean="0"/>
-              <a:t>2021/11/18</a:t>
+              <a:t>2022/6/5</a:t>
             </a:fld>
             <a:endParaRPr kumimoji="1" lang="zh-CN" altLang="en-US"/>
           </a:p>
@@ -2355,7 +2355,7 @@
           <a:p>
             <a:fld id="{7AE9A254-9CF9-9346-AA02-665DC6003AFF}" type="datetimeFigureOut">
               <a:rPr kumimoji="1" lang="zh-CN" altLang="en-US" smtClean="0"/>
-              <a:t>2021/11/18</a:t>
+              <a:t>2022/6/5</a:t>
             </a:fld>
             <a:endParaRPr kumimoji="1" lang="zh-CN" altLang="en-US"/>
           </a:p>
@@ -2573,7 +2573,7 @@
           <a:p>
             <a:fld id="{7AE9A254-9CF9-9346-AA02-665DC6003AFF}" type="datetimeFigureOut">
               <a:rPr kumimoji="1" lang="zh-CN" altLang="en-US" smtClean="0"/>
-              <a:t>2021/11/18</a:t>
+              <a:t>2022/6/5</a:t>
             </a:fld>
             <a:endParaRPr kumimoji="1" lang="zh-CN" altLang="en-US"/>
           </a:p>
@@ -3234,9 +3234,8 @@
         </p:nvPicPr>
         <p:blipFill>
           <a:blip r:embed="rId10"/>
-          <a:stretch>
-            <a:fillRect/>
-          </a:stretch>
+          <a:srcRect/>
+          <a:stretch/>
         </p:blipFill>
         <p:spPr>
           <a:xfrm>
@@ -3264,9 +3263,8 @@
         </p:nvPicPr>
         <p:blipFill>
           <a:blip r:embed="rId11"/>
-          <a:stretch>
-            <a:fillRect/>
-          </a:stretch>
+          <a:srcRect/>
+          <a:stretch/>
         </p:blipFill>
         <p:spPr>
           <a:xfrm>
@@ -4044,9 +4042,8 @@
         </p:nvPicPr>
         <p:blipFill>
           <a:blip r:embed="rId12"/>
-          <a:stretch>
-            <a:fillRect/>
-          </a:stretch>
+          <a:srcRect/>
+          <a:stretch/>
         </p:blipFill>
         <p:spPr>
           <a:xfrm>

--- a/pic/demo.pptx
+++ b/pic/demo.pptx
@@ -8,6 +8,7 @@
     <p:sldId id="256" r:id="rId2"/>
     <p:sldId id="257" r:id="rId3"/>
     <p:sldId id="258" r:id="rId4"/>
+    <p:sldId id="259" r:id="rId5"/>
   </p:sldIdLst>
   <p:sldSz cx="18000663" cy="18000663"/>
   <p:notesSz cx="6858000" cy="9144000"/>
@@ -4307,6 +4308,732 @@
 </p:sld>
 </file>
 
+<file path=ppt/slides/slide4.xml><?xml version="1.0" encoding="utf-8"?>
+<p:sld xmlns:a="http://schemas.openxmlformats.org/drawingml/2006/main" xmlns:r="http://schemas.openxmlformats.org/officeDocument/2006/relationships" xmlns:p="http://schemas.openxmlformats.org/presentationml/2006/main">
+  <p:cSld>
+    <p:spTree>
+      <p:nvGrpSpPr>
+        <p:cNvPr id="1" name=""/>
+        <p:cNvGrpSpPr/>
+        <p:nvPr/>
+      </p:nvGrpSpPr>
+      <p:grpSpPr>
+        <a:xfrm>
+          <a:off x="0" y="0"/>
+          <a:ext cx="0" cy="0"/>
+          <a:chOff x="0" y="0"/>
+          <a:chExt cx="0" cy="0"/>
+        </a:xfrm>
+      </p:grpSpPr>
+      <p:pic>
+        <p:nvPicPr>
+          <p:cNvPr id="5" name="图片 4">
+            <a:extLst>
+              <a:ext uri="{FF2B5EF4-FFF2-40B4-BE49-F238E27FC236}">
+                <a16:creationId xmlns:a16="http://schemas.microsoft.com/office/drawing/2014/main" id="{FC036E9A-A300-AC44-BD2C-B8D63F358FEA}"/>
+              </a:ext>
+            </a:extLst>
+          </p:cNvPr>
+          <p:cNvPicPr>
+            <a:picLocks noChangeAspect="1"/>
+          </p:cNvPicPr>
+          <p:nvPr/>
+        </p:nvPicPr>
+        <p:blipFill>
+          <a:blip r:embed="rId2"/>
+          <a:srcRect/>
+          <a:stretch/>
+        </p:blipFill>
+        <p:spPr>
+          <a:xfrm>
+            <a:off x="921011" y="1857189"/>
+            <a:ext cx="3931920" cy="2211705"/>
+          </a:xfrm>
+          <a:prstGeom prst="rect">
+            <a:avLst/>
+          </a:prstGeom>
+        </p:spPr>
+      </p:pic>
+      <p:pic>
+        <p:nvPicPr>
+          <p:cNvPr id="7" name="图片 6">
+            <a:extLst>
+              <a:ext uri="{FF2B5EF4-FFF2-40B4-BE49-F238E27FC236}">
+                <a16:creationId xmlns:a16="http://schemas.microsoft.com/office/drawing/2014/main" id="{CCD21D3F-EA80-A142-A315-53F7DF55E7FA}"/>
+              </a:ext>
+            </a:extLst>
+          </p:cNvPr>
+          <p:cNvPicPr>
+            <a:picLocks noChangeAspect="1"/>
+          </p:cNvPicPr>
+          <p:nvPr/>
+        </p:nvPicPr>
+        <p:blipFill>
+          <a:blip r:embed="rId3"/>
+          <a:srcRect/>
+          <a:stretch/>
+        </p:blipFill>
+        <p:spPr>
+          <a:xfrm>
+            <a:off x="5068411" y="1857189"/>
+            <a:ext cx="3931920" cy="2211705"/>
+          </a:xfrm>
+          <a:prstGeom prst="rect">
+            <a:avLst/>
+          </a:prstGeom>
+        </p:spPr>
+      </p:pic>
+      <p:pic>
+        <p:nvPicPr>
+          <p:cNvPr id="9" name="图片 8">
+            <a:extLst>
+              <a:ext uri="{FF2B5EF4-FFF2-40B4-BE49-F238E27FC236}">
+                <a16:creationId xmlns:a16="http://schemas.microsoft.com/office/drawing/2014/main" id="{2741E7BF-5A32-764F-890B-2665B585DB4D}"/>
+              </a:ext>
+            </a:extLst>
+          </p:cNvPr>
+          <p:cNvPicPr>
+            <a:picLocks noChangeAspect="1"/>
+          </p:cNvPicPr>
+          <p:nvPr/>
+        </p:nvPicPr>
+        <p:blipFill>
+          <a:blip r:embed="rId4"/>
+          <a:srcRect/>
+          <a:stretch/>
+        </p:blipFill>
+        <p:spPr>
+          <a:xfrm>
+            <a:off x="5068411" y="4137474"/>
+            <a:ext cx="3931920" cy="2211705"/>
+          </a:xfrm>
+          <a:prstGeom prst="rect">
+            <a:avLst/>
+          </a:prstGeom>
+        </p:spPr>
+      </p:pic>
+      <p:pic>
+        <p:nvPicPr>
+          <p:cNvPr id="11" name="图片 10">
+            <a:extLst>
+              <a:ext uri="{FF2B5EF4-FFF2-40B4-BE49-F238E27FC236}">
+                <a16:creationId xmlns:a16="http://schemas.microsoft.com/office/drawing/2014/main" id="{1508C622-DB52-B743-9C00-99D14057821D}"/>
+              </a:ext>
+            </a:extLst>
+          </p:cNvPr>
+          <p:cNvPicPr>
+            <a:picLocks noChangeAspect="1"/>
+          </p:cNvPicPr>
+          <p:nvPr/>
+        </p:nvPicPr>
+        <p:blipFill>
+          <a:blip r:embed="rId5"/>
+          <a:srcRect/>
+          <a:stretch/>
+        </p:blipFill>
+        <p:spPr>
+          <a:xfrm>
+            <a:off x="921011" y="4137473"/>
+            <a:ext cx="3931920" cy="2211705"/>
+          </a:xfrm>
+          <a:prstGeom prst="rect">
+            <a:avLst/>
+          </a:prstGeom>
+        </p:spPr>
+      </p:pic>
+      <p:pic>
+        <p:nvPicPr>
+          <p:cNvPr id="13" name="图片 12">
+            <a:extLst>
+              <a:ext uri="{FF2B5EF4-FFF2-40B4-BE49-F238E27FC236}">
+                <a16:creationId xmlns:a16="http://schemas.microsoft.com/office/drawing/2014/main" id="{07501A40-B7A1-5E48-93A6-D0D3004B7B8B}"/>
+              </a:ext>
+            </a:extLst>
+          </p:cNvPr>
+          <p:cNvPicPr>
+            <a:picLocks noChangeAspect="1"/>
+          </p:cNvPicPr>
+          <p:nvPr/>
+        </p:nvPicPr>
+        <p:blipFill>
+          <a:blip r:embed="rId6"/>
+          <a:srcRect/>
+          <a:stretch/>
+        </p:blipFill>
+        <p:spPr>
+          <a:xfrm>
+            <a:off x="5068411" y="6417759"/>
+            <a:ext cx="3931920" cy="2211705"/>
+          </a:xfrm>
+          <a:prstGeom prst="rect">
+            <a:avLst/>
+          </a:prstGeom>
+        </p:spPr>
+      </p:pic>
+      <p:pic>
+        <p:nvPicPr>
+          <p:cNvPr id="15" name="图片 14">
+            <a:extLst>
+              <a:ext uri="{FF2B5EF4-FFF2-40B4-BE49-F238E27FC236}">
+                <a16:creationId xmlns:a16="http://schemas.microsoft.com/office/drawing/2014/main" id="{FD29488C-83F4-7644-A7CA-2AE0EC4B6E9F}"/>
+              </a:ext>
+            </a:extLst>
+          </p:cNvPr>
+          <p:cNvPicPr>
+            <a:picLocks noChangeAspect="1"/>
+          </p:cNvPicPr>
+          <p:nvPr/>
+        </p:nvPicPr>
+        <p:blipFill>
+          <a:blip r:embed="rId7"/>
+          <a:srcRect/>
+          <a:stretch/>
+        </p:blipFill>
+        <p:spPr>
+          <a:xfrm>
+            <a:off x="921011" y="6417758"/>
+            <a:ext cx="3931920" cy="2211705"/>
+          </a:xfrm>
+          <a:prstGeom prst="rect">
+            <a:avLst/>
+          </a:prstGeom>
+        </p:spPr>
+      </p:pic>
+      <p:pic>
+        <p:nvPicPr>
+          <p:cNvPr id="19" name="图片 18">
+            <a:extLst>
+              <a:ext uri="{FF2B5EF4-FFF2-40B4-BE49-F238E27FC236}">
+                <a16:creationId xmlns:a16="http://schemas.microsoft.com/office/drawing/2014/main" id="{9758ECAA-993D-0740-9B84-20FC53A913BE}"/>
+              </a:ext>
+            </a:extLst>
+          </p:cNvPr>
+          <p:cNvPicPr>
+            <a:picLocks noChangeAspect="1"/>
+          </p:cNvPicPr>
+          <p:nvPr/>
+        </p:nvPicPr>
+        <p:blipFill>
+          <a:blip r:embed="rId8"/>
+          <a:srcRect/>
+          <a:stretch/>
+        </p:blipFill>
+        <p:spPr>
+          <a:xfrm>
+            <a:off x="921011" y="8698042"/>
+            <a:ext cx="3931920" cy="2211705"/>
+          </a:xfrm>
+          <a:prstGeom prst="rect">
+            <a:avLst/>
+          </a:prstGeom>
+        </p:spPr>
+      </p:pic>
+      <p:pic>
+        <p:nvPicPr>
+          <p:cNvPr id="21" name="图片 20">
+            <a:extLst>
+              <a:ext uri="{FF2B5EF4-FFF2-40B4-BE49-F238E27FC236}">
+                <a16:creationId xmlns:a16="http://schemas.microsoft.com/office/drawing/2014/main" id="{98F65609-8CF1-504C-82E1-F24A7E70F64B}"/>
+              </a:ext>
+            </a:extLst>
+          </p:cNvPr>
+          <p:cNvPicPr>
+            <a:picLocks noChangeAspect="1"/>
+          </p:cNvPicPr>
+          <p:nvPr/>
+        </p:nvPicPr>
+        <p:blipFill>
+          <a:blip r:embed="rId9"/>
+          <a:srcRect/>
+          <a:stretch/>
+        </p:blipFill>
+        <p:spPr>
+          <a:xfrm>
+            <a:off x="5068411" y="8698042"/>
+            <a:ext cx="3931920" cy="2211705"/>
+          </a:xfrm>
+          <a:prstGeom prst="rect">
+            <a:avLst/>
+          </a:prstGeom>
+        </p:spPr>
+      </p:pic>
+      <p:pic>
+        <p:nvPicPr>
+          <p:cNvPr id="23" name="图片 22">
+            <a:extLst>
+              <a:ext uri="{FF2B5EF4-FFF2-40B4-BE49-F238E27FC236}">
+                <a16:creationId xmlns:a16="http://schemas.microsoft.com/office/drawing/2014/main" id="{EB21C777-856F-BE47-98CD-B6D3464CBD8D}"/>
+              </a:ext>
+            </a:extLst>
+          </p:cNvPr>
+          <p:cNvPicPr>
+            <a:picLocks noChangeAspect="1"/>
+          </p:cNvPicPr>
+          <p:nvPr/>
+        </p:nvPicPr>
+        <p:blipFill>
+          <a:blip r:embed="rId10"/>
+          <a:srcRect/>
+          <a:stretch/>
+        </p:blipFill>
+        <p:spPr>
+          <a:xfrm>
+            <a:off x="5068411" y="10978323"/>
+            <a:ext cx="3931920" cy="2211705"/>
+          </a:xfrm>
+          <a:prstGeom prst="rect">
+            <a:avLst/>
+          </a:prstGeom>
+        </p:spPr>
+      </p:pic>
+      <p:pic>
+        <p:nvPicPr>
+          <p:cNvPr id="27" name="图片 26">
+            <a:extLst>
+              <a:ext uri="{FF2B5EF4-FFF2-40B4-BE49-F238E27FC236}">
+                <a16:creationId xmlns:a16="http://schemas.microsoft.com/office/drawing/2014/main" id="{6CB1FB51-A6E7-3D4F-8D2E-597BABD777E9}"/>
+              </a:ext>
+            </a:extLst>
+          </p:cNvPr>
+          <p:cNvPicPr>
+            <a:picLocks noChangeAspect="1"/>
+          </p:cNvPicPr>
+          <p:nvPr/>
+        </p:nvPicPr>
+        <p:blipFill>
+          <a:blip r:embed="rId11"/>
+          <a:srcRect/>
+          <a:stretch/>
+        </p:blipFill>
+        <p:spPr>
+          <a:xfrm>
+            <a:off x="921011" y="10978323"/>
+            <a:ext cx="3931920" cy="2211705"/>
+          </a:xfrm>
+          <a:prstGeom prst="rect">
+            <a:avLst/>
+          </a:prstGeom>
+        </p:spPr>
+      </p:pic>
+      <p:pic>
+        <p:nvPicPr>
+          <p:cNvPr id="29" name="图片 28">
+            <a:extLst>
+              <a:ext uri="{FF2B5EF4-FFF2-40B4-BE49-F238E27FC236}">
+                <a16:creationId xmlns:a16="http://schemas.microsoft.com/office/drawing/2014/main" id="{BEA8DA78-536F-1549-AA12-BBFC8F175DCF}"/>
+              </a:ext>
+            </a:extLst>
+          </p:cNvPr>
+          <p:cNvPicPr>
+            <a:picLocks noChangeAspect="1"/>
+          </p:cNvPicPr>
+          <p:nvPr/>
+        </p:nvPicPr>
+        <p:blipFill>
+          <a:blip r:embed="rId12"/>
+          <a:srcRect/>
+          <a:stretch/>
+        </p:blipFill>
+        <p:spPr>
+          <a:xfrm>
+            <a:off x="5068411" y="13258606"/>
+            <a:ext cx="3931920" cy="2211705"/>
+          </a:xfrm>
+          <a:prstGeom prst="rect">
+            <a:avLst/>
+          </a:prstGeom>
+        </p:spPr>
+      </p:pic>
+      <p:pic>
+        <p:nvPicPr>
+          <p:cNvPr id="31" name="图片 30">
+            <a:extLst>
+              <a:ext uri="{FF2B5EF4-FFF2-40B4-BE49-F238E27FC236}">
+                <a16:creationId xmlns:a16="http://schemas.microsoft.com/office/drawing/2014/main" id="{48AC9DDB-31F5-5040-A786-3FDC538B90E6}"/>
+              </a:ext>
+            </a:extLst>
+          </p:cNvPr>
+          <p:cNvPicPr>
+            <a:picLocks noChangeAspect="1"/>
+          </p:cNvPicPr>
+          <p:nvPr/>
+        </p:nvPicPr>
+        <p:blipFill>
+          <a:blip r:embed="rId13"/>
+          <a:srcRect/>
+          <a:stretch/>
+        </p:blipFill>
+        <p:spPr>
+          <a:xfrm>
+            <a:off x="921011" y="13258606"/>
+            <a:ext cx="3931920" cy="2211705"/>
+          </a:xfrm>
+          <a:prstGeom prst="rect">
+            <a:avLst/>
+          </a:prstGeom>
+        </p:spPr>
+      </p:pic>
+      <p:pic>
+        <p:nvPicPr>
+          <p:cNvPr id="3" name="图片 2">
+            <a:extLst>
+              <a:ext uri="{FF2B5EF4-FFF2-40B4-BE49-F238E27FC236}">
+                <a16:creationId xmlns:a16="http://schemas.microsoft.com/office/drawing/2014/main" id="{DE9A3D0A-F786-9345-9DB2-1EBCE5E8DB5D}"/>
+              </a:ext>
+            </a:extLst>
+          </p:cNvPr>
+          <p:cNvPicPr>
+            <a:picLocks noChangeAspect="1"/>
+          </p:cNvPicPr>
+          <p:nvPr/>
+        </p:nvPicPr>
+        <p:blipFill>
+          <a:blip r:embed="rId14"/>
+          <a:srcRect/>
+          <a:stretch/>
+        </p:blipFill>
+        <p:spPr>
+          <a:xfrm>
+            <a:off x="9215813" y="1857189"/>
+            <a:ext cx="3931920" cy="2211705"/>
+          </a:xfrm>
+          <a:prstGeom prst="rect">
+            <a:avLst/>
+          </a:prstGeom>
+        </p:spPr>
+      </p:pic>
+      <p:pic>
+        <p:nvPicPr>
+          <p:cNvPr id="6" name="图片 5">
+            <a:extLst>
+              <a:ext uri="{FF2B5EF4-FFF2-40B4-BE49-F238E27FC236}">
+                <a16:creationId xmlns:a16="http://schemas.microsoft.com/office/drawing/2014/main" id="{46956321-C271-4F40-A0A4-FF3A610505A7}"/>
+              </a:ext>
+            </a:extLst>
+          </p:cNvPr>
+          <p:cNvPicPr>
+            <a:picLocks noChangeAspect="1"/>
+          </p:cNvPicPr>
+          <p:nvPr/>
+        </p:nvPicPr>
+        <p:blipFill>
+          <a:blip r:embed="rId15"/>
+          <a:srcRect/>
+          <a:stretch/>
+        </p:blipFill>
+        <p:spPr>
+          <a:xfrm>
+            <a:off x="9215813" y="4137473"/>
+            <a:ext cx="3931920" cy="2211705"/>
+          </a:xfrm>
+          <a:prstGeom prst="rect">
+            <a:avLst/>
+          </a:prstGeom>
+        </p:spPr>
+      </p:pic>
+      <p:pic>
+        <p:nvPicPr>
+          <p:cNvPr id="10" name="图片 9">
+            <a:extLst>
+              <a:ext uri="{FF2B5EF4-FFF2-40B4-BE49-F238E27FC236}">
+                <a16:creationId xmlns:a16="http://schemas.microsoft.com/office/drawing/2014/main" id="{4A143AB3-AAA5-5A44-BAEE-BF6B4363860B}"/>
+              </a:ext>
+            </a:extLst>
+          </p:cNvPr>
+          <p:cNvPicPr>
+            <a:picLocks noChangeAspect="1"/>
+          </p:cNvPicPr>
+          <p:nvPr/>
+        </p:nvPicPr>
+        <p:blipFill>
+          <a:blip r:embed="rId16"/>
+          <a:srcRect/>
+          <a:stretch/>
+        </p:blipFill>
+        <p:spPr>
+          <a:xfrm>
+            <a:off x="9215813" y="6417758"/>
+            <a:ext cx="3931920" cy="2211705"/>
+          </a:xfrm>
+          <a:prstGeom prst="rect">
+            <a:avLst/>
+          </a:prstGeom>
+        </p:spPr>
+      </p:pic>
+      <p:pic>
+        <p:nvPicPr>
+          <p:cNvPr id="14" name="图片 13">
+            <a:extLst>
+              <a:ext uri="{FF2B5EF4-FFF2-40B4-BE49-F238E27FC236}">
+                <a16:creationId xmlns:a16="http://schemas.microsoft.com/office/drawing/2014/main" id="{EBE484E2-47B2-CF48-BC6F-1E931764A266}"/>
+              </a:ext>
+            </a:extLst>
+          </p:cNvPr>
+          <p:cNvPicPr>
+            <a:picLocks noChangeAspect="1"/>
+          </p:cNvPicPr>
+          <p:nvPr/>
+        </p:nvPicPr>
+        <p:blipFill>
+          <a:blip r:embed="rId17"/>
+          <a:srcRect/>
+          <a:stretch/>
+        </p:blipFill>
+        <p:spPr>
+          <a:xfrm>
+            <a:off x="9215813" y="8698042"/>
+            <a:ext cx="3931920" cy="2211705"/>
+          </a:xfrm>
+          <a:prstGeom prst="rect">
+            <a:avLst/>
+          </a:prstGeom>
+        </p:spPr>
+      </p:pic>
+      <p:pic>
+        <p:nvPicPr>
+          <p:cNvPr id="17" name="图片 16">
+            <a:extLst>
+              <a:ext uri="{FF2B5EF4-FFF2-40B4-BE49-F238E27FC236}">
+                <a16:creationId xmlns:a16="http://schemas.microsoft.com/office/drawing/2014/main" id="{6171D863-65EC-D747-A66D-6B3E7B9515F1}"/>
+              </a:ext>
+            </a:extLst>
+          </p:cNvPr>
+          <p:cNvPicPr>
+            <a:picLocks noChangeAspect="1"/>
+          </p:cNvPicPr>
+          <p:nvPr/>
+        </p:nvPicPr>
+        <p:blipFill>
+          <a:blip r:embed="rId18"/>
+          <a:srcRect/>
+          <a:stretch/>
+        </p:blipFill>
+        <p:spPr>
+          <a:xfrm>
+            <a:off x="9215813" y="10978323"/>
+            <a:ext cx="3931920" cy="2211705"/>
+          </a:xfrm>
+          <a:prstGeom prst="rect">
+            <a:avLst/>
+          </a:prstGeom>
+        </p:spPr>
+      </p:pic>
+      <p:pic>
+        <p:nvPicPr>
+          <p:cNvPr id="20" name="图片 19">
+            <a:extLst>
+              <a:ext uri="{FF2B5EF4-FFF2-40B4-BE49-F238E27FC236}">
+                <a16:creationId xmlns:a16="http://schemas.microsoft.com/office/drawing/2014/main" id="{95C41A0D-128D-A04D-AEA4-69A2B7FA8454}"/>
+              </a:ext>
+            </a:extLst>
+          </p:cNvPr>
+          <p:cNvPicPr>
+            <a:picLocks noChangeAspect="1"/>
+          </p:cNvPicPr>
+          <p:nvPr/>
+        </p:nvPicPr>
+        <p:blipFill>
+          <a:blip r:embed="rId19"/>
+          <a:srcRect/>
+          <a:stretch/>
+        </p:blipFill>
+        <p:spPr>
+          <a:xfrm>
+            <a:off x="9215813" y="13258606"/>
+            <a:ext cx="3931920" cy="2211705"/>
+          </a:xfrm>
+          <a:prstGeom prst="rect">
+            <a:avLst/>
+          </a:prstGeom>
+        </p:spPr>
+      </p:pic>
+      <p:pic>
+        <p:nvPicPr>
+          <p:cNvPr id="24" name="图片 23">
+            <a:extLst>
+              <a:ext uri="{FF2B5EF4-FFF2-40B4-BE49-F238E27FC236}">
+                <a16:creationId xmlns:a16="http://schemas.microsoft.com/office/drawing/2014/main" id="{AD5D7A68-2368-004D-9ADB-1EC551EF55F1}"/>
+              </a:ext>
+            </a:extLst>
+          </p:cNvPr>
+          <p:cNvPicPr>
+            <a:picLocks noChangeAspect="1"/>
+          </p:cNvPicPr>
+          <p:nvPr/>
+        </p:nvPicPr>
+        <p:blipFill>
+          <a:blip r:embed="rId20"/>
+          <a:srcRect/>
+          <a:stretch/>
+        </p:blipFill>
+        <p:spPr>
+          <a:xfrm>
+            <a:off x="13363213" y="1857189"/>
+            <a:ext cx="3931920" cy="2211705"/>
+          </a:xfrm>
+          <a:prstGeom prst="rect">
+            <a:avLst/>
+          </a:prstGeom>
+        </p:spPr>
+      </p:pic>
+      <p:pic>
+        <p:nvPicPr>
+          <p:cNvPr id="26" name="图片 25">
+            <a:extLst>
+              <a:ext uri="{FF2B5EF4-FFF2-40B4-BE49-F238E27FC236}">
+                <a16:creationId xmlns:a16="http://schemas.microsoft.com/office/drawing/2014/main" id="{EBC2B660-2C15-634C-8758-E65AEE1309C7}"/>
+              </a:ext>
+            </a:extLst>
+          </p:cNvPr>
+          <p:cNvPicPr>
+            <a:picLocks noChangeAspect="1"/>
+          </p:cNvPicPr>
+          <p:nvPr/>
+        </p:nvPicPr>
+        <p:blipFill>
+          <a:blip r:embed="rId21"/>
+          <a:srcRect/>
+          <a:stretch/>
+        </p:blipFill>
+        <p:spPr>
+          <a:xfrm>
+            <a:off x="13363213" y="4137473"/>
+            <a:ext cx="3931920" cy="2211705"/>
+          </a:xfrm>
+          <a:prstGeom prst="rect">
+            <a:avLst/>
+          </a:prstGeom>
+        </p:spPr>
+      </p:pic>
+      <p:pic>
+        <p:nvPicPr>
+          <p:cNvPr id="30" name="图片 29">
+            <a:extLst>
+              <a:ext uri="{FF2B5EF4-FFF2-40B4-BE49-F238E27FC236}">
+                <a16:creationId xmlns:a16="http://schemas.microsoft.com/office/drawing/2014/main" id="{3566EFC4-B199-7247-91A9-D11CAB53501D}"/>
+              </a:ext>
+            </a:extLst>
+          </p:cNvPr>
+          <p:cNvPicPr>
+            <a:picLocks noChangeAspect="1"/>
+          </p:cNvPicPr>
+          <p:nvPr/>
+        </p:nvPicPr>
+        <p:blipFill>
+          <a:blip r:embed="rId22"/>
+          <a:srcRect/>
+          <a:stretch/>
+        </p:blipFill>
+        <p:spPr>
+          <a:xfrm>
+            <a:off x="13363213" y="6417758"/>
+            <a:ext cx="3931920" cy="2211705"/>
+          </a:xfrm>
+          <a:prstGeom prst="rect">
+            <a:avLst/>
+          </a:prstGeom>
+        </p:spPr>
+      </p:pic>
+      <p:pic>
+        <p:nvPicPr>
+          <p:cNvPr id="33" name="图片 32">
+            <a:extLst>
+              <a:ext uri="{FF2B5EF4-FFF2-40B4-BE49-F238E27FC236}">
+                <a16:creationId xmlns:a16="http://schemas.microsoft.com/office/drawing/2014/main" id="{CD2B31B8-D2E1-8143-8156-D537D318C43A}"/>
+              </a:ext>
+            </a:extLst>
+          </p:cNvPr>
+          <p:cNvPicPr>
+            <a:picLocks noChangeAspect="1"/>
+          </p:cNvPicPr>
+          <p:nvPr/>
+        </p:nvPicPr>
+        <p:blipFill>
+          <a:blip r:embed="rId23"/>
+          <a:srcRect/>
+          <a:stretch/>
+        </p:blipFill>
+        <p:spPr>
+          <a:xfrm>
+            <a:off x="13363213" y="8698042"/>
+            <a:ext cx="3931920" cy="2211705"/>
+          </a:xfrm>
+          <a:prstGeom prst="rect">
+            <a:avLst/>
+          </a:prstGeom>
+        </p:spPr>
+      </p:pic>
+      <p:pic>
+        <p:nvPicPr>
+          <p:cNvPr id="35" name="图片 34">
+            <a:extLst>
+              <a:ext uri="{FF2B5EF4-FFF2-40B4-BE49-F238E27FC236}">
+                <a16:creationId xmlns:a16="http://schemas.microsoft.com/office/drawing/2014/main" id="{F0CBC853-5CA8-4149-A8CE-BE24E8205C0B}"/>
+              </a:ext>
+            </a:extLst>
+          </p:cNvPr>
+          <p:cNvPicPr>
+            <a:picLocks noChangeAspect="1"/>
+          </p:cNvPicPr>
+          <p:nvPr/>
+        </p:nvPicPr>
+        <p:blipFill>
+          <a:blip r:embed="rId24"/>
+          <a:srcRect/>
+          <a:stretch/>
+        </p:blipFill>
+        <p:spPr>
+          <a:xfrm>
+            <a:off x="13363213" y="10978323"/>
+            <a:ext cx="3931920" cy="2211705"/>
+          </a:xfrm>
+          <a:prstGeom prst="rect">
+            <a:avLst/>
+          </a:prstGeom>
+        </p:spPr>
+      </p:pic>
+      <p:pic>
+        <p:nvPicPr>
+          <p:cNvPr id="37" name="图片 36">
+            <a:extLst>
+              <a:ext uri="{FF2B5EF4-FFF2-40B4-BE49-F238E27FC236}">
+                <a16:creationId xmlns:a16="http://schemas.microsoft.com/office/drawing/2014/main" id="{0F4F8B3B-EE24-F14B-ADFC-0CCDD4A2AD88}"/>
+              </a:ext>
+            </a:extLst>
+          </p:cNvPr>
+          <p:cNvPicPr>
+            <a:picLocks noChangeAspect="1"/>
+          </p:cNvPicPr>
+          <p:nvPr/>
+        </p:nvPicPr>
+        <p:blipFill>
+          <a:blip r:embed="rId25"/>
+          <a:srcRect/>
+          <a:stretch/>
+        </p:blipFill>
+        <p:spPr>
+          <a:xfrm>
+            <a:off x="13363213" y="13258606"/>
+            <a:ext cx="3931920" cy="2211705"/>
+          </a:xfrm>
+          <a:prstGeom prst="rect">
+            <a:avLst/>
+          </a:prstGeom>
+        </p:spPr>
+      </p:pic>
+    </p:spTree>
+    <p:extLst>
+      <p:ext uri="{BB962C8B-B14F-4D97-AF65-F5344CB8AC3E}">
+        <p14:creationId xmlns:p14="http://schemas.microsoft.com/office/powerpoint/2010/main" val="2238722885"/>
+      </p:ext>
+    </p:extLst>
+  </p:cSld>
+  <p:clrMapOvr>
+    <a:masterClrMapping/>
+  </p:clrMapOvr>
+</p:sld>
+</file>
+
 <file path=ppt/theme/theme1.xml><?xml version="1.0" encoding="utf-8"?>
 <a:theme xmlns:a="http://schemas.openxmlformats.org/drawingml/2006/main" name="Office 主题​​">
   <a:themeElements>

--- a/pic/demo.pptx
+++ b/pic/demo.pptx
@@ -6,9 +6,9 @@
   </p:sldMasterIdLst>
   <p:sldIdLst>
     <p:sldId id="256" r:id="rId2"/>
-    <p:sldId id="257" r:id="rId3"/>
-    <p:sldId id="258" r:id="rId4"/>
-    <p:sldId id="259" r:id="rId5"/>
+    <p:sldId id="259" r:id="rId3"/>
+    <p:sldId id="260" r:id="rId4"/>
+    <p:sldId id="258" r:id="rId5"/>
   </p:sldIdLst>
   <p:sldSz cx="18000663" cy="18000663"/>
   <p:notesSz cx="6858000" cy="9144000"/>
@@ -246,7 +246,7 @@
           <a:p>
             <a:fld id="{7AE9A254-9CF9-9346-AA02-665DC6003AFF}" type="datetimeFigureOut">
               <a:rPr kumimoji="1" lang="zh-CN" altLang="en-US" smtClean="0"/>
-              <a:t>2022/6/5</a:t>
+              <a:t>2022/6/9</a:t>
             </a:fld>
             <a:endParaRPr kumimoji="1" lang="zh-CN" altLang="en-US"/>
           </a:p>
@@ -416,7 +416,7 @@
           <a:p>
             <a:fld id="{7AE9A254-9CF9-9346-AA02-665DC6003AFF}" type="datetimeFigureOut">
               <a:rPr kumimoji="1" lang="zh-CN" altLang="en-US" smtClean="0"/>
-              <a:t>2022/6/5</a:t>
+              <a:t>2022/6/9</a:t>
             </a:fld>
             <a:endParaRPr kumimoji="1" lang="zh-CN" altLang="en-US"/>
           </a:p>
@@ -596,7 +596,7 @@
           <a:p>
             <a:fld id="{7AE9A254-9CF9-9346-AA02-665DC6003AFF}" type="datetimeFigureOut">
               <a:rPr kumimoji="1" lang="zh-CN" altLang="en-US" smtClean="0"/>
-              <a:t>2022/6/5</a:t>
+              <a:t>2022/6/9</a:t>
             </a:fld>
             <a:endParaRPr kumimoji="1" lang="zh-CN" altLang="en-US"/>
           </a:p>
@@ -766,7 +766,7 @@
           <a:p>
             <a:fld id="{7AE9A254-9CF9-9346-AA02-665DC6003AFF}" type="datetimeFigureOut">
               <a:rPr kumimoji="1" lang="zh-CN" altLang="en-US" smtClean="0"/>
-              <a:t>2022/6/5</a:t>
+              <a:t>2022/6/9</a:t>
             </a:fld>
             <a:endParaRPr kumimoji="1" lang="zh-CN" altLang="en-US"/>
           </a:p>
@@ -1010,7 +1010,7 @@
           <a:p>
             <a:fld id="{7AE9A254-9CF9-9346-AA02-665DC6003AFF}" type="datetimeFigureOut">
               <a:rPr kumimoji="1" lang="zh-CN" altLang="en-US" smtClean="0"/>
-              <a:t>2022/6/5</a:t>
+              <a:t>2022/6/9</a:t>
             </a:fld>
             <a:endParaRPr kumimoji="1" lang="zh-CN" altLang="en-US"/>
           </a:p>
@@ -1242,7 +1242,7 @@
           <a:p>
             <a:fld id="{7AE9A254-9CF9-9346-AA02-665DC6003AFF}" type="datetimeFigureOut">
               <a:rPr kumimoji="1" lang="zh-CN" altLang="en-US" smtClean="0"/>
-              <a:t>2022/6/5</a:t>
+              <a:t>2022/6/9</a:t>
             </a:fld>
             <a:endParaRPr kumimoji="1" lang="zh-CN" altLang="en-US"/>
           </a:p>
@@ -1609,7 +1609,7 @@
           <a:p>
             <a:fld id="{7AE9A254-9CF9-9346-AA02-665DC6003AFF}" type="datetimeFigureOut">
               <a:rPr kumimoji="1" lang="zh-CN" altLang="en-US" smtClean="0"/>
-              <a:t>2022/6/5</a:t>
+              <a:t>2022/6/9</a:t>
             </a:fld>
             <a:endParaRPr kumimoji="1" lang="zh-CN" altLang="en-US"/>
           </a:p>
@@ -1727,7 +1727,7 @@
           <a:p>
             <a:fld id="{7AE9A254-9CF9-9346-AA02-665DC6003AFF}" type="datetimeFigureOut">
               <a:rPr kumimoji="1" lang="zh-CN" altLang="en-US" smtClean="0"/>
-              <a:t>2022/6/5</a:t>
+              <a:t>2022/6/9</a:t>
             </a:fld>
             <a:endParaRPr kumimoji="1" lang="zh-CN" altLang="en-US"/>
           </a:p>
@@ -1822,7 +1822,7 @@
           <a:p>
             <a:fld id="{7AE9A254-9CF9-9346-AA02-665DC6003AFF}" type="datetimeFigureOut">
               <a:rPr kumimoji="1" lang="zh-CN" altLang="en-US" smtClean="0"/>
-              <a:t>2022/6/5</a:t>
+              <a:t>2022/6/9</a:t>
             </a:fld>
             <a:endParaRPr kumimoji="1" lang="zh-CN" altLang="en-US"/>
           </a:p>
@@ -2099,7 +2099,7 @@
           <a:p>
             <a:fld id="{7AE9A254-9CF9-9346-AA02-665DC6003AFF}" type="datetimeFigureOut">
               <a:rPr kumimoji="1" lang="zh-CN" altLang="en-US" smtClean="0"/>
-              <a:t>2022/6/5</a:t>
+              <a:t>2022/6/9</a:t>
             </a:fld>
             <a:endParaRPr kumimoji="1" lang="zh-CN" altLang="en-US"/>
           </a:p>
@@ -2356,7 +2356,7 @@
           <a:p>
             <a:fld id="{7AE9A254-9CF9-9346-AA02-665DC6003AFF}" type="datetimeFigureOut">
               <a:rPr kumimoji="1" lang="zh-CN" altLang="en-US" smtClean="0"/>
-              <a:t>2022/6/5</a:t>
+              <a:t>2022/6/9</a:t>
             </a:fld>
             <a:endParaRPr kumimoji="1" lang="zh-CN" altLang="en-US"/>
           </a:p>
@@ -2574,7 +2574,7 @@
           <a:p>
             <a:fld id="{7AE9A254-9CF9-9346-AA02-665DC6003AFF}" type="datetimeFigureOut">
               <a:rPr kumimoji="1" lang="zh-CN" altLang="en-US" smtClean="0"/>
-              <a:t>2022/6/5</a:t>
+              <a:t>2022/6/9</a:t>
             </a:fld>
             <a:endParaRPr kumimoji="1" lang="zh-CN" altLang="en-US"/>
           </a:p>
@@ -2995,9 +2995,8 @@
         </p:nvPicPr>
         <p:blipFill>
           <a:blip r:embed="rId2"/>
-          <a:stretch>
-            <a:fillRect/>
-          </a:stretch>
+          <a:srcRect/>
+          <a:stretch/>
         </p:blipFill>
         <p:spPr>
           <a:xfrm>
@@ -3025,9 +3024,8 @@
         </p:nvPicPr>
         <p:blipFill>
           <a:blip r:embed="rId3"/>
-          <a:stretch>
-            <a:fillRect/>
-          </a:stretch>
+          <a:srcRect/>
+          <a:stretch/>
         </p:blipFill>
         <p:spPr>
           <a:xfrm>
@@ -3055,9 +3053,8 @@
         </p:nvPicPr>
         <p:blipFill>
           <a:blip r:embed="rId4"/>
-          <a:stretch>
-            <a:fillRect/>
-          </a:stretch>
+          <a:srcRect/>
+          <a:stretch/>
         </p:blipFill>
         <p:spPr>
           <a:xfrm>
@@ -3085,9 +3082,8 @@
         </p:nvPicPr>
         <p:blipFill>
           <a:blip r:embed="rId5"/>
-          <a:stretch>
-            <a:fillRect/>
-          </a:stretch>
+          <a:srcRect/>
+          <a:stretch/>
         </p:blipFill>
         <p:spPr>
           <a:xfrm>
@@ -3115,9 +3111,8 @@
         </p:nvPicPr>
         <p:blipFill>
           <a:blip r:embed="rId6"/>
-          <a:stretch>
-            <a:fillRect/>
-          </a:stretch>
+          <a:srcRect/>
+          <a:stretch/>
         </p:blipFill>
         <p:spPr>
           <a:xfrm>
@@ -3145,9 +3140,8 @@
         </p:nvPicPr>
         <p:blipFill>
           <a:blip r:embed="rId7"/>
-          <a:stretch>
-            <a:fillRect/>
-          </a:stretch>
+          <a:srcRect/>
+          <a:stretch/>
         </p:blipFill>
         <p:spPr>
           <a:xfrm>
@@ -3175,9 +3169,8 @@
         </p:nvPicPr>
         <p:blipFill>
           <a:blip r:embed="rId8"/>
-          <a:stretch>
-            <a:fillRect/>
-          </a:stretch>
+          <a:srcRect/>
+          <a:stretch/>
         </p:blipFill>
         <p:spPr>
           <a:xfrm>
@@ -3205,9 +3198,8 @@
         </p:nvPicPr>
         <p:blipFill>
           <a:blip r:embed="rId9"/>
-          <a:stretch>
-            <a:fillRect/>
-          </a:stretch>
+          <a:srcRect/>
+          <a:stretch/>
         </p:blipFill>
         <p:spPr>
           <a:xfrm>
@@ -3293,9 +3285,8 @@
         </p:nvPicPr>
         <p:blipFill>
           <a:blip r:embed="rId12"/>
-          <a:stretch>
-            <a:fillRect/>
-          </a:stretch>
+          <a:srcRect/>
+          <a:stretch/>
         </p:blipFill>
         <p:spPr>
           <a:xfrm>
@@ -3323,9 +3314,8 @@
         </p:nvPicPr>
         <p:blipFill>
           <a:blip r:embed="rId13"/>
-          <a:stretch>
-            <a:fillRect/>
-          </a:stretch>
+          <a:srcRect/>
+          <a:stretch/>
         </p:blipFill>
         <p:spPr>
           <a:xfrm>
@@ -3353,9 +3343,8 @@
         </p:nvPicPr>
         <p:blipFill>
           <a:blip r:embed="rId14"/>
-          <a:stretch>
-            <a:fillRect/>
-          </a:stretch>
+          <a:srcRect/>
+          <a:stretch/>
         </p:blipFill>
         <p:spPr>
           <a:xfrm>
@@ -3383,9 +3372,8 @@
         </p:nvPicPr>
         <p:blipFill>
           <a:blip r:embed="rId15"/>
-          <a:stretch>
-            <a:fillRect/>
-          </a:stretch>
+          <a:srcRect/>
+          <a:stretch/>
         </p:blipFill>
         <p:spPr>
           <a:xfrm>
@@ -3413,9 +3401,8 @@
         </p:nvPicPr>
         <p:blipFill>
           <a:blip r:embed="rId16"/>
-          <a:stretch>
-            <a:fillRect/>
-          </a:stretch>
+          <a:srcRect/>
+          <a:stretch/>
         </p:blipFill>
         <p:spPr>
           <a:xfrm>
@@ -3443,9 +3430,8 @@
         </p:nvPicPr>
         <p:blipFill>
           <a:blip r:embed="rId17"/>
-          <a:stretch>
-            <a:fillRect/>
-          </a:stretch>
+          <a:srcRect/>
+          <a:stretch/>
         </p:blipFill>
         <p:spPr>
           <a:xfrm>
@@ -3473,9 +3459,8 @@
         </p:nvPicPr>
         <p:blipFill>
           <a:blip r:embed="rId18"/>
-          <a:stretch>
-            <a:fillRect/>
-          </a:stretch>
+          <a:srcRect/>
+          <a:stretch/>
         </p:blipFill>
         <p:spPr>
           <a:xfrm>
@@ -3503,9 +3488,8 @@
         </p:nvPicPr>
         <p:blipFill>
           <a:blip r:embed="rId19"/>
-          <a:stretch>
-            <a:fillRect/>
-          </a:stretch>
+          <a:srcRect/>
+          <a:stretch/>
         </p:blipFill>
         <p:spPr>
           <a:xfrm>
@@ -3729,10 +3713,10 @@
       </p:grpSpPr>
       <p:pic>
         <p:nvPicPr>
-          <p:cNvPr id="4" name="图片 3">
-            <a:extLst>
-              <a:ext uri="{FF2B5EF4-FFF2-40B4-BE49-F238E27FC236}">
-                <a16:creationId xmlns:a16="http://schemas.microsoft.com/office/drawing/2014/main" id="{586D29A1-AA2A-F443-9E3F-A3C0772E283B}"/>
+          <p:cNvPr id="5" name="图片 4">
+            <a:extLst>
+              <a:ext uri="{FF2B5EF4-FFF2-40B4-BE49-F238E27FC236}">
+                <a16:creationId xmlns:a16="http://schemas.microsoft.com/office/drawing/2014/main" id="{FC036E9A-A300-AC44-BD2C-B8D63F358FEA}"/>
               </a:ext>
             </a:extLst>
           </p:cNvPr>
@@ -3743,9 +3727,8 @@
         </p:nvPicPr>
         <p:blipFill>
           <a:blip r:embed="rId2"/>
-          <a:stretch>
-            <a:fillRect/>
-          </a:stretch>
+          <a:srcRect/>
+          <a:stretch/>
         </p:blipFill>
         <p:spPr>
           <a:xfrm>
@@ -3759,10 +3742,10 @@
       </p:pic>
       <p:pic>
         <p:nvPicPr>
-          <p:cNvPr id="5" name="图片 4">
-            <a:extLst>
-              <a:ext uri="{FF2B5EF4-FFF2-40B4-BE49-F238E27FC236}">
-                <a16:creationId xmlns:a16="http://schemas.microsoft.com/office/drawing/2014/main" id="{F267879A-2F44-3A4D-B46D-F94110A52C07}"/>
+          <p:cNvPr id="7" name="图片 6">
+            <a:extLst>
+              <a:ext uri="{FF2B5EF4-FFF2-40B4-BE49-F238E27FC236}">
+                <a16:creationId xmlns:a16="http://schemas.microsoft.com/office/drawing/2014/main" id="{CCD21D3F-EA80-A142-A315-53F7DF55E7FA}"/>
               </a:ext>
             </a:extLst>
           </p:cNvPr>
@@ -3773,13 +3756,331 @@
         </p:nvPicPr>
         <p:blipFill>
           <a:blip r:embed="rId3"/>
-          <a:stretch>
-            <a:fillRect/>
-          </a:stretch>
-        </p:blipFill>
-        <p:spPr>
-          <a:xfrm>
-            <a:off x="4976972" y="1857189"/>
+          <a:srcRect/>
+          <a:stretch/>
+        </p:blipFill>
+        <p:spPr>
+          <a:xfrm>
+            <a:off x="5068411" y="1857189"/>
+            <a:ext cx="3931920" cy="2211705"/>
+          </a:xfrm>
+          <a:prstGeom prst="rect">
+            <a:avLst/>
+          </a:prstGeom>
+        </p:spPr>
+      </p:pic>
+      <p:pic>
+        <p:nvPicPr>
+          <p:cNvPr id="9" name="图片 8">
+            <a:extLst>
+              <a:ext uri="{FF2B5EF4-FFF2-40B4-BE49-F238E27FC236}">
+                <a16:creationId xmlns:a16="http://schemas.microsoft.com/office/drawing/2014/main" id="{2741E7BF-5A32-764F-890B-2665B585DB4D}"/>
+              </a:ext>
+            </a:extLst>
+          </p:cNvPr>
+          <p:cNvPicPr>
+            <a:picLocks noChangeAspect="1"/>
+          </p:cNvPicPr>
+          <p:nvPr/>
+        </p:nvPicPr>
+        <p:blipFill>
+          <a:blip r:embed="rId4"/>
+          <a:srcRect/>
+          <a:stretch/>
+        </p:blipFill>
+        <p:spPr>
+          <a:xfrm>
+            <a:off x="5068411" y="4137474"/>
+            <a:ext cx="3931920" cy="2211705"/>
+          </a:xfrm>
+          <a:prstGeom prst="rect">
+            <a:avLst/>
+          </a:prstGeom>
+        </p:spPr>
+      </p:pic>
+      <p:pic>
+        <p:nvPicPr>
+          <p:cNvPr id="11" name="图片 10">
+            <a:extLst>
+              <a:ext uri="{FF2B5EF4-FFF2-40B4-BE49-F238E27FC236}">
+                <a16:creationId xmlns:a16="http://schemas.microsoft.com/office/drawing/2014/main" id="{1508C622-DB52-B743-9C00-99D14057821D}"/>
+              </a:ext>
+            </a:extLst>
+          </p:cNvPr>
+          <p:cNvPicPr>
+            <a:picLocks noChangeAspect="1"/>
+          </p:cNvPicPr>
+          <p:nvPr/>
+        </p:nvPicPr>
+        <p:blipFill>
+          <a:blip r:embed="rId5"/>
+          <a:srcRect/>
+          <a:stretch/>
+        </p:blipFill>
+        <p:spPr>
+          <a:xfrm>
+            <a:off x="921011" y="4137473"/>
+            <a:ext cx="3931920" cy="2211705"/>
+          </a:xfrm>
+          <a:prstGeom prst="rect">
+            <a:avLst/>
+          </a:prstGeom>
+        </p:spPr>
+      </p:pic>
+      <p:pic>
+        <p:nvPicPr>
+          <p:cNvPr id="13" name="图片 12">
+            <a:extLst>
+              <a:ext uri="{FF2B5EF4-FFF2-40B4-BE49-F238E27FC236}">
+                <a16:creationId xmlns:a16="http://schemas.microsoft.com/office/drawing/2014/main" id="{07501A40-B7A1-5E48-93A6-D0D3004B7B8B}"/>
+              </a:ext>
+            </a:extLst>
+          </p:cNvPr>
+          <p:cNvPicPr>
+            <a:picLocks noChangeAspect="1"/>
+          </p:cNvPicPr>
+          <p:nvPr/>
+        </p:nvPicPr>
+        <p:blipFill>
+          <a:blip r:embed="rId6"/>
+          <a:srcRect/>
+          <a:stretch/>
+        </p:blipFill>
+        <p:spPr>
+          <a:xfrm>
+            <a:off x="5068411" y="6417759"/>
+            <a:ext cx="3931920" cy="2211705"/>
+          </a:xfrm>
+          <a:prstGeom prst="rect">
+            <a:avLst/>
+          </a:prstGeom>
+        </p:spPr>
+      </p:pic>
+      <p:pic>
+        <p:nvPicPr>
+          <p:cNvPr id="15" name="图片 14">
+            <a:extLst>
+              <a:ext uri="{FF2B5EF4-FFF2-40B4-BE49-F238E27FC236}">
+                <a16:creationId xmlns:a16="http://schemas.microsoft.com/office/drawing/2014/main" id="{FD29488C-83F4-7644-A7CA-2AE0EC4B6E9F}"/>
+              </a:ext>
+            </a:extLst>
+          </p:cNvPr>
+          <p:cNvPicPr>
+            <a:picLocks noChangeAspect="1"/>
+          </p:cNvPicPr>
+          <p:nvPr/>
+        </p:nvPicPr>
+        <p:blipFill>
+          <a:blip r:embed="rId7"/>
+          <a:srcRect/>
+          <a:stretch/>
+        </p:blipFill>
+        <p:spPr>
+          <a:xfrm>
+            <a:off x="921011" y="6417758"/>
+            <a:ext cx="3931920" cy="2211705"/>
+          </a:xfrm>
+          <a:prstGeom prst="rect">
+            <a:avLst/>
+          </a:prstGeom>
+        </p:spPr>
+      </p:pic>
+      <p:pic>
+        <p:nvPicPr>
+          <p:cNvPr id="19" name="图片 18">
+            <a:extLst>
+              <a:ext uri="{FF2B5EF4-FFF2-40B4-BE49-F238E27FC236}">
+                <a16:creationId xmlns:a16="http://schemas.microsoft.com/office/drawing/2014/main" id="{9758ECAA-993D-0740-9B84-20FC53A913BE}"/>
+              </a:ext>
+            </a:extLst>
+          </p:cNvPr>
+          <p:cNvPicPr>
+            <a:picLocks noChangeAspect="1"/>
+          </p:cNvPicPr>
+          <p:nvPr/>
+        </p:nvPicPr>
+        <p:blipFill>
+          <a:blip r:embed="rId8"/>
+          <a:srcRect/>
+          <a:stretch/>
+        </p:blipFill>
+        <p:spPr>
+          <a:xfrm>
+            <a:off x="921011" y="8698042"/>
+            <a:ext cx="3931920" cy="2211705"/>
+          </a:xfrm>
+          <a:prstGeom prst="rect">
+            <a:avLst/>
+          </a:prstGeom>
+        </p:spPr>
+      </p:pic>
+      <p:pic>
+        <p:nvPicPr>
+          <p:cNvPr id="21" name="图片 20">
+            <a:extLst>
+              <a:ext uri="{FF2B5EF4-FFF2-40B4-BE49-F238E27FC236}">
+                <a16:creationId xmlns:a16="http://schemas.microsoft.com/office/drawing/2014/main" id="{98F65609-8CF1-504C-82E1-F24A7E70F64B}"/>
+              </a:ext>
+            </a:extLst>
+          </p:cNvPr>
+          <p:cNvPicPr>
+            <a:picLocks noChangeAspect="1"/>
+          </p:cNvPicPr>
+          <p:nvPr/>
+        </p:nvPicPr>
+        <p:blipFill>
+          <a:blip r:embed="rId9"/>
+          <a:srcRect/>
+          <a:stretch/>
+        </p:blipFill>
+        <p:spPr>
+          <a:xfrm>
+            <a:off x="5068411" y="8698042"/>
+            <a:ext cx="3931920" cy="2211705"/>
+          </a:xfrm>
+          <a:prstGeom prst="rect">
+            <a:avLst/>
+          </a:prstGeom>
+        </p:spPr>
+      </p:pic>
+      <p:pic>
+        <p:nvPicPr>
+          <p:cNvPr id="23" name="图片 22">
+            <a:extLst>
+              <a:ext uri="{FF2B5EF4-FFF2-40B4-BE49-F238E27FC236}">
+                <a16:creationId xmlns:a16="http://schemas.microsoft.com/office/drawing/2014/main" id="{EB21C777-856F-BE47-98CD-B6D3464CBD8D}"/>
+              </a:ext>
+            </a:extLst>
+          </p:cNvPr>
+          <p:cNvPicPr>
+            <a:picLocks noChangeAspect="1"/>
+          </p:cNvPicPr>
+          <p:nvPr/>
+        </p:nvPicPr>
+        <p:blipFill>
+          <a:blip r:embed="rId10"/>
+          <a:srcRect/>
+          <a:stretch/>
+        </p:blipFill>
+        <p:spPr>
+          <a:xfrm>
+            <a:off x="5068411" y="10978323"/>
+            <a:ext cx="3931920" cy="2211705"/>
+          </a:xfrm>
+          <a:prstGeom prst="rect">
+            <a:avLst/>
+          </a:prstGeom>
+        </p:spPr>
+      </p:pic>
+      <p:pic>
+        <p:nvPicPr>
+          <p:cNvPr id="27" name="图片 26">
+            <a:extLst>
+              <a:ext uri="{FF2B5EF4-FFF2-40B4-BE49-F238E27FC236}">
+                <a16:creationId xmlns:a16="http://schemas.microsoft.com/office/drawing/2014/main" id="{6CB1FB51-A6E7-3D4F-8D2E-597BABD777E9}"/>
+              </a:ext>
+            </a:extLst>
+          </p:cNvPr>
+          <p:cNvPicPr>
+            <a:picLocks noChangeAspect="1"/>
+          </p:cNvPicPr>
+          <p:nvPr/>
+        </p:nvPicPr>
+        <p:blipFill>
+          <a:blip r:embed="rId11"/>
+          <a:srcRect/>
+          <a:stretch/>
+        </p:blipFill>
+        <p:spPr>
+          <a:xfrm>
+            <a:off x="921011" y="10978323"/>
+            <a:ext cx="3931920" cy="2211705"/>
+          </a:xfrm>
+          <a:prstGeom prst="rect">
+            <a:avLst/>
+          </a:prstGeom>
+        </p:spPr>
+      </p:pic>
+      <p:pic>
+        <p:nvPicPr>
+          <p:cNvPr id="29" name="图片 28">
+            <a:extLst>
+              <a:ext uri="{FF2B5EF4-FFF2-40B4-BE49-F238E27FC236}">
+                <a16:creationId xmlns:a16="http://schemas.microsoft.com/office/drawing/2014/main" id="{BEA8DA78-536F-1549-AA12-BBFC8F175DCF}"/>
+              </a:ext>
+            </a:extLst>
+          </p:cNvPr>
+          <p:cNvPicPr>
+            <a:picLocks noChangeAspect="1"/>
+          </p:cNvPicPr>
+          <p:nvPr/>
+        </p:nvPicPr>
+        <p:blipFill>
+          <a:blip r:embed="rId12"/>
+          <a:srcRect/>
+          <a:stretch/>
+        </p:blipFill>
+        <p:spPr>
+          <a:xfrm>
+            <a:off x="5068411" y="13258606"/>
+            <a:ext cx="3931920" cy="2211705"/>
+          </a:xfrm>
+          <a:prstGeom prst="rect">
+            <a:avLst/>
+          </a:prstGeom>
+        </p:spPr>
+      </p:pic>
+      <p:pic>
+        <p:nvPicPr>
+          <p:cNvPr id="31" name="图片 30">
+            <a:extLst>
+              <a:ext uri="{FF2B5EF4-FFF2-40B4-BE49-F238E27FC236}">
+                <a16:creationId xmlns:a16="http://schemas.microsoft.com/office/drawing/2014/main" id="{48AC9DDB-31F5-5040-A786-3FDC538B90E6}"/>
+              </a:ext>
+            </a:extLst>
+          </p:cNvPr>
+          <p:cNvPicPr>
+            <a:picLocks noChangeAspect="1"/>
+          </p:cNvPicPr>
+          <p:nvPr/>
+        </p:nvPicPr>
+        <p:blipFill>
+          <a:blip r:embed="rId13"/>
+          <a:srcRect/>
+          <a:stretch/>
+        </p:blipFill>
+        <p:spPr>
+          <a:xfrm>
+            <a:off x="921011" y="13258606"/>
+            <a:ext cx="3931920" cy="2211705"/>
+          </a:xfrm>
+          <a:prstGeom prst="rect">
+            <a:avLst/>
+          </a:prstGeom>
+        </p:spPr>
+      </p:pic>
+      <p:pic>
+        <p:nvPicPr>
+          <p:cNvPr id="3" name="图片 2">
+            <a:extLst>
+              <a:ext uri="{FF2B5EF4-FFF2-40B4-BE49-F238E27FC236}">
+                <a16:creationId xmlns:a16="http://schemas.microsoft.com/office/drawing/2014/main" id="{DE9A3D0A-F786-9345-9DB2-1EBCE5E8DB5D}"/>
+              </a:ext>
+            </a:extLst>
+          </p:cNvPr>
+          <p:cNvPicPr>
+            <a:picLocks noChangeAspect="1"/>
+          </p:cNvPicPr>
+          <p:nvPr/>
+        </p:nvPicPr>
+        <p:blipFill>
+          <a:blip r:embed="rId14"/>
+          <a:srcRect/>
+          <a:stretch/>
+        </p:blipFill>
+        <p:spPr>
+          <a:xfrm>
+            <a:off x="9215813" y="1857189"/>
             <a:ext cx="3931920" cy="2211705"/>
           </a:xfrm>
           <a:prstGeom prst="rect">
@@ -3792,114 +4093,23 @@
           <p:cNvPr id="6" name="图片 5">
             <a:extLst>
               <a:ext uri="{FF2B5EF4-FFF2-40B4-BE49-F238E27FC236}">
-                <a16:creationId xmlns:a16="http://schemas.microsoft.com/office/drawing/2014/main" id="{6EBC75B5-CF05-BD4C-AA9D-DBE901867D27}"/>
-              </a:ext>
-            </a:extLst>
-          </p:cNvPr>
-          <p:cNvPicPr>
-            <a:picLocks noChangeAspect="1"/>
-          </p:cNvPicPr>
-          <p:nvPr/>
-        </p:nvPicPr>
-        <p:blipFill>
-          <a:blip r:embed="rId4"/>
-          <a:stretch>
-            <a:fillRect/>
-          </a:stretch>
-        </p:blipFill>
-        <p:spPr>
-          <a:xfrm>
-            <a:off x="9032933" y="1857189"/>
-            <a:ext cx="3931920" cy="2211705"/>
-          </a:xfrm>
-          <a:prstGeom prst="rect">
-            <a:avLst/>
-          </a:prstGeom>
-        </p:spPr>
-      </p:pic>
-      <p:pic>
-        <p:nvPicPr>
-          <p:cNvPr id="7" name="图片 6">
-            <a:extLst>
-              <a:ext uri="{FF2B5EF4-FFF2-40B4-BE49-F238E27FC236}">
-                <a16:creationId xmlns:a16="http://schemas.microsoft.com/office/drawing/2014/main" id="{8E8EC8ED-90B0-BB43-8467-F77EAF526FBE}"/>
-              </a:ext>
-            </a:extLst>
-          </p:cNvPr>
-          <p:cNvPicPr>
-            <a:picLocks noChangeAspect="1"/>
-          </p:cNvPicPr>
-          <p:nvPr/>
-        </p:nvPicPr>
-        <p:blipFill>
-          <a:blip r:embed="rId5"/>
-          <a:stretch>
-            <a:fillRect/>
-          </a:stretch>
-        </p:blipFill>
-        <p:spPr>
-          <a:xfrm>
-            <a:off x="13088894" y="1857189"/>
-            <a:ext cx="3931920" cy="2211705"/>
-          </a:xfrm>
-          <a:prstGeom prst="rect">
-            <a:avLst/>
-          </a:prstGeom>
-        </p:spPr>
-      </p:pic>
-      <p:pic>
-        <p:nvPicPr>
-          <p:cNvPr id="8" name="图片 7">
-            <a:extLst>
-              <a:ext uri="{FF2B5EF4-FFF2-40B4-BE49-F238E27FC236}">
-                <a16:creationId xmlns:a16="http://schemas.microsoft.com/office/drawing/2014/main" id="{CF153F3F-3976-694B-97CA-43087042FC2A}"/>
-              </a:ext>
-            </a:extLst>
-          </p:cNvPr>
-          <p:cNvPicPr>
-            <a:picLocks noChangeAspect="1"/>
-          </p:cNvPicPr>
-          <p:nvPr/>
-        </p:nvPicPr>
-        <p:blipFill>
-          <a:blip r:embed="rId6"/>
-          <a:stretch>
-            <a:fillRect/>
-          </a:stretch>
-        </p:blipFill>
-        <p:spPr>
-          <a:xfrm>
-            <a:off x="4976972" y="4206051"/>
-            <a:ext cx="3931920" cy="2211705"/>
-          </a:xfrm>
-          <a:prstGeom prst="rect">
-            <a:avLst/>
-          </a:prstGeom>
-        </p:spPr>
-      </p:pic>
-      <p:pic>
-        <p:nvPicPr>
-          <p:cNvPr id="9" name="图片 8">
-            <a:extLst>
-              <a:ext uri="{FF2B5EF4-FFF2-40B4-BE49-F238E27FC236}">
-                <a16:creationId xmlns:a16="http://schemas.microsoft.com/office/drawing/2014/main" id="{A6D0C0A9-4F07-AD46-8906-30BA32106248}"/>
-              </a:ext>
-            </a:extLst>
-          </p:cNvPr>
-          <p:cNvPicPr>
-            <a:picLocks noChangeAspect="1"/>
-          </p:cNvPicPr>
-          <p:nvPr/>
-        </p:nvPicPr>
-        <p:blipFill>
-          <a:blip r:embed="rId7"/>
-          <a:stretch>
-            <a:fillRect/>
-          </a:stretch>
-        </p:blipFill>
-        <p:spPr>
-          <a:xfrm>
-            <a:off x="921011" y="4206049"/>
+                <a16:creationId xmlns:a16="http://schemas.microsoft.com/office/drawing/2014/main" id="{46956321-C271-4F40-A0A4-FF3A610505A7}"/>
+              </a:ext>
+            </a:extLst>
+          </p:cNvPr>
+          <p:cNvPicPr>
+            <a:picLocks noChangeAspect="1"/>
+          </p:cNvPicPr>
+          <p:nvPr/>
+        </p:nvPicPr>
+        <p:blipFill>
+          <a:blip r:embed="rId15"/>
+          <a:srcRect/>
+          <a:stretch/>
+        </p:blipFill>
+        <p:spPr>
+          <a:xfrm>
+            <a:off x="9215813" y="4137473"/>
             <a:ext cx="3931920" cy="2211705"/>
           </a:xfrm>
           <a:prstGeom prst="rect">
@@ -3912,114 +4122,52 @@
           <p:cNvPr id="10" name="图片 9">
             <a:extLst>
               <a:ext uri="{FF2B5EF4-FFF2-40B4-BE49-F238E27FC236}">
-                <a16:creationId xmlns:a16="http://schemas.microsoft.com/office/drawing/2014/main" id="{EB36797A-3A53-0546-B8B3-A94A3D796B5B}"/>
-              </a:ext>
-            </a:extLst>
-          </p:cNvPr>
-          <p:cNvPicPr>
-            <a:picLocks noChangeAspect="1"/>
-          </p:cNvPicPr>
-          <p:nvPr/>
-        </p:nvPicPr>
-        <p:blipFill>
-          <a:blip r:embed="rId8"/>
-          <a:stretch>
-            <a:fillRect/>
-          </a:stretch>
-        </p:blipFill>
-        <p:spPr>
-          <a:xfrm>
-            <a:off x="9032933" y="4206049"/>
-            <a:ext cx="3931920" cy="2211705"/>
-          </a:xfrm>
-          <a:prstGeom prst="rect">
-            <a:avLst/>
-          </a:prstGeom>
-        </p:spPr>
-      </p:pic>
-      <p:pic>
-        <p:nvPicPr>
-          <p:cNvPr id="11" name="图片 10">
-            <a:extLst>
-              <a:ext uri="{FF2B5EF4-FFF2-40B4-BE49-F238E27FC236}">
-                <a16:creationId xmlns:a16="http://schemas.microsoft.com/office/drawing/2014/main" id="{B3BC9D10-4C79-4C48-AF30-FE22669FC6A6}"/>
-              </a:ext>
-            </a:extLst>
-          </p:cNvPr>
-          <p:cNvPicPr>
-            <a:picLocks noChangeAspect="1"/>
-          </p:cNvPicPr>
-          <p:nvPr/>
-        </p:nvPicPr>
-        <p:blipFill>
-          <a:blip r:embed="rId9"/>
-          <a:stretch>
-            <a:fillRect/>
-          </a:stretch>
-        </p:blipFill>
-        <p:spPr>
-          <a:xfrm>
-            <a:off x="13088894" y="4206049"/>
-            <a:ext cx="3931920" cy="2211705"/>
-          </a:xfrm>
-          <a:prstGeom prst="rect">
-            <a:avLst/>
-          </a:prstGeom>
-        </p:spPr>
-      </p:pic>
-      <p:pic>
-        <p:nvPicPr>
-          <p:cNvPr id="15" name="图片 14">
-            <a:extLst>
-              <a:ext uri="{FF2B5EF4-FFF2-40B4-BE49-F238E27FC236}">
-                <a16:creationId xmlns:a16="http://schemas.microsoft.com/office/drawing/2014/main" id="{ADA9AAF5-C84D-C341-B44F-C0CD3D023FB8}"/>
-              </a:ext>
-            </a:extLst>
-          </p:cNvPr>
-          <p:cNvPicPr>
-            <a:picLocks noChangeAspect="1"/>
-          </p:cNvPicPr>
-          <p:nvPr/>
-        </p:nvPicPr>
-        <p:blipFill>
-          <a:blip r:embed="rId10"/>
-          <a:stretch>
-            <a:fillRect/>
-          </a:stretch>
-        </p:blipFill>
-        <p:spPr>
-          <a:xfrm>
-            <a:off x="13088894" y="6554910"/>
-            <a:ext cx="3931920" cy="2211705"/>
-          </a:xfrm>
-          <a:prstGeom prst="rect">
-            <a:avLst/>
-          </a:prstGeom>
-        </p:spPr>
-      </p:pic>
-      <p:pic>
-        <p:nvPicPr>
-          <p:cNvPr id="16" name="图片 15">
-            <a:extLst>
-              <a:ext uri="{FF2B5EF4-FFF2-40B4-BE49-F238E27FC236}">
-                <a16:creationId xmlns:a16="http://schemas.microsoft.com/office/drawing/2014/main" id="{1C8031B3-B53D-FA42-8EB6-1C00961FC661}"/>
-              </a:ext>
-            </a:extLst>
-          </p:cNvPr>
-          <p:cNvPicPr>
-            <a:picLocks noChangeAspect="1"/>
-          </p:cNvPicPr>
-          <p:nvPr/>
-        </p:nvPicPr>
-        <p:blipFill>
-          <a:blip r:embed="rId11"/>
-          <a:stretch>
-            <a:fillRect/>
-          </a:stretch>
-        </p:blipFill>
-        <p:spPr>
-          <a:xfrm>
-            <a:off x="9032933" y="6554909"/>
+                <a16:creationId xmlns:a16="http://schemas.microsoft.com/office/drawing/2014/main" id="{4A143AB3-AAA5-5A44-BAEE-BF6B4363860B}"/>
+              </a:ext>
+            </a:extLst>
+          </p:cNvPr>
+          <p:cNvPicPr>
+            <a:picLocks noChangeAspect="1"/>
+          </p:cNvPicPr>
+          <p:nvPr/>
+        </p:nvPicPr>
+        <p:blipFill>
+          <a:blip r:embed="rId16"/>
+          <a:srcRect/>
+          <a:stretch/>
+        </p:blipFill>
+        <p:spPr>
+          <a:xfrm>
+            <a:off x="9215813" y="6417758"/>
+            <a:ext cx="3931920" cy="2211705"/>
+          </a:xfrm>
+          <a:prstGeom prst="rect">
+            <a:avLst/>
+          </a:prstGeom>
+        </p:spPr>
+      </p:pic>
+      <p:pic>
+        <p:nvPicPr>
+          <p:cNvPr id="14" name="图片 13">
+            <a:extLst>
+              <a:ext uri="{FF2B5EF4-FFF2-40B4-BE49-F238E27FC236}">
+                <a16:creationId xmlns:a16="http://schemas.microsoft.com/office/drawing/2014/main" id="{EBE484E2-47B2-CF48-BC6F-1E931764A266}"/>
+              </a:ext>
+            </a:extLst>
+          </p:cNvPr>
+          <p:cNvPicPr>
+            <a:picLocks noChangeAspect="1"/>
+          </p:cNvPicPr>
+          <p:nvPr/>
+        </p:nvPicPr>
+        <p:blipFill>
+          <a:blip r:embed="rId17"/>
+          <a:srcRect/>
+          <a:stretch/>
+        </p:blipFill>
+        <p:spPr>
+          <a:xfrm>
+            <a:off x="9215813" y="8698042"/>
             <a:ext cx="3931920" cy="2211705"/>
           </a:xfrm>
           <a:prstGeom prst="rect">
@@ -4032,53 +4180,226 @@
           <p:cNvPr id="17" name="图片 16">
             <a:extLst>
               <a:ext uri="{FF2B5EF4-FFF2-40B4-BE49-F238E27FC236}">
-                <a16:creationId xmlns:a16="http://schemas.microsoft.com/office/drawing/2014/main" id="{AAA55433-568C-5940-A269-59C0F2CE740B}"/>
-              </a:ext>
-            </a:extLst>
-          </p:cNvPr>
-          <p:cNvPicPr>
-            <a:picLocks noChangeAspect="1"/>
-          </p:cNvPicPr>
-          <p:nvPr/>
-        </p:nvPicPr>
-        <p:blipFill>
-          <a:blip r:embed="rId12"/>
-          <a:srcRect/>
-          <a:stretch/>
-        </p:blipFill>
-        <p:spPr>
-          <a:xfrm>
-            <a:off x="4976972" y="6554909"/>
-            <a:ext cx="3931920" cy="2211705"/>
-          </a:xfrm>
-          <a:prstGeom prst="rect">
-            <a:avLst/>
-          </a:prstGeom>
-        </p:spPr>
-      </p:pic>
-      <p:pic>
-        <p:nvPicPr>
-          <p:cNvPr id="18" name="图片 17">
-            <a:extLst>
-              <a:ext uri="{FF2B5EF4-FFF2-40B4-BE49-F238E27FC236}">
-                <a16:creationId xmlns:a16="http://schemas.microsoft.com/office/drawing/2014/main" id="{15373376-B4E7-EC4E-891E-23A8D3A65071}"/>
-              </a:ext>
-            </a:extLst>
-          </p:cNvPr>
-          <p:cNvPicPr>
-            <a:picLocks noChangeAspect="1"/>
-          </p:cNvPicPr>
-          <p:nvPr/>
-        </p:nvPicPr>
-        <p:blipFill>
-          <a:blip r:embed="rId13"/>
-          <a:stretch>
-            <a:fillRect/>
-          </a:stretch>
-        </p:blipFill>
-        <p:spPr>
-          <a:xfrm>
-            <a:off x="921011" y="6554909"/>
+                <a16:creationId xmlns:a16="http://schemas.microsoft.com/office/drawing/2014/main" id="{6171D863-65EC-D747-A66D-6B3E7B9515F1}"/>
+              </a:ext>
+            </a:extLst>
+          </p:cNvPr>
+          <p:cNvPicPr>
+            <a:picLocks noChangeAspect="1"/>
+          </p:cNvPicPr>
+          <p:nvPr/>
+        </p:nvPicPr>
+        <p:blipFill>
+          <a:blip r:embed="rId18"/>
+          <a:srcRect/>
+          <a:stretch/>
+        </p:blipFill>
+        <p:spPr>
+          <a:xfrm>
+            <a:off x="9215813" y="10978323"/>
+            <a:ext cx="3931920" cy="2211705"/>
+          </a:xfrm>
+          <a:prstGeom prst="rect">
+            <a:avLst/>
+          </a:prstGeom>
+        </p:spPr>
+      </p:pic>
+      <p:pic>
+        <p:nvPicPr>
+          <p:cNvPr id="20" name="图片 19">
+            <a:extLst>
+              <a:ext uri="{FF2B5EF4-FFF2-40B4-BE49-F238E27FC236}">
+                <a16:creationId xmlns:a16="http://schemas.microsoft.com/office/drawing/2014/main" id="{95C41A0D-128D-A04D-AEA4-69A2B7FA8454}"/>
+              </a:ext>
+            </a:extLst>
+          </p:cNvPr>
+          <p:cNvPicPr>
+            <a:picLocks noChangeAspect="1"/>
+          </p:cNvPicPr>
+          <p:nvPr/>
+        </p:nvPicPr>
+        <p:blipFill>
+          <a:blip r:embed="rId19"/>
+          <a:srcRect/>
+          <a:stretch/>
+        </p:blipFill>
+        <p:spPr>
+          <a:xfrm>
+            <a:off x="9215813" y="13258606"/>
+            <a:ext cx="3931920" cy="2211705"/>
+          </a:xfrm>
+          <a:prstGeom prst="rect">
+            <a:avLst/>
+          </a:prstGeom>
+        </p:spPr>
+      </p:pic>
+      <p:pic>
+        <p:nvPicPr>
+          <p:cNvPr id="24" name="图片 23">
+            <a:extLst>
+              <a:ext uri="{FF2B5EF4-FFF2-40B4-BE49-F238E27FC236}">
+                <a16:creationId xmlns:a16="http://schemas.microsoft.com/office/drawing/2014/main" id="{AD5D7A68-2368-004D-9ADB-1EC551EF55F1}"/>
+              </a:ext>
+            </a:extLst>
+          </p:cNvPr>
+          <p:cNvPicPr>
+            <a:picLocks noChangeAspect="1"/>
+          </p:cNvPicPr>
+          <p:nvPr/>
+        </p:nvPicPr>
+        <p:blipFill>
+          <a:blip r:embed="rId20"/>
+          <a:srcRect/>
+          <a:stretch/>
+        </p:blipFill>
+        <p:spPr>
+          <a:xfrm>
+            <a:off x="13363213" y="1857189"/>
+            <a:ext cx="3931920" cy="2211705"/>
+          </a:xfrm>
+          <a:prstGeom prst="rect">
+            <a:avLst/>
+          </a:prstGeom>
+        </p:spPr>
+      </p:pic>
+      <p:pic>
+        <p:nvPicPr>
+          <p:cNvPr id="26" name="图片 25">
+            <a:extLst>
+              <a:ext uri="{FF2B5EF4-FFF2-40B4-BE49-F238E27FC236}">
+                <a16:creationId xmlns:a16="http://schemas.microsoft.com/office/drawing/2014/main" id="{EBC2B660-2C15-634C-8758-E65AEE1309C7}"/>
+              </a:ext>
+            </a:extLst>
+          </p:cNvPr>
+          <p:cNvPicPr>
+            <a:picLocks noChangeAspect="1"/>
+          </p:cNvPicPr>
+          <p:nvPr/>
+        </p:nvPicPr>
+        <p:blipFill>
+          <a:blip r:embed="rId21"/>
+          <a:srcRect/>
+          <a:stretch/>
+        </p:blipFill>
+        <p:spPr>
+          <a:xfrm>
+            <a:off x="13363213" y="4137473"/>
+            <a:ext cx="3931920" cy="2211705"/>
+          </a:xfrm>
+          <a:prstGeom prst="rect">
+            <a:avLst/>
+          </a:prstGeom>
+        </p:spPr>
+      </p:pic>
+      <p:pic>
+        <p:nvPicPr>
+          <p:cNvPr id="30" name="图片 29">
+            <a:extLst>
+              <a:ext uri="{FF2B5EF4-FFF2-40B4-BE49-F238E27FC236}">
+                <a16:creationId xmlns:a16="http://schemas.microsoft.com/office/drawing/2014/main" id="{3566EFC4-B199-7247-91A9-D11CAB53501D}"/>
+              </a:ext>
+            </a:extLst>
+          </p:cNvPr>
+          <p:cNvPicPr>
+            <a:picLocks noChangeAspect="1"/>
+          </p:cNvPicPr>
+          <p:nvPr/>
+        </p:nvPicPr>
+        <p:blipFill>
+          <a:blip r:embed="rId22"/>
+          <a:srcRect/>
+          <a:stretch/>
+        </p:blipFill>
+        <p:spPr>
+          <a:xfrm>
+            <a:off x="13363213" y="6417758"/>
+            <a:ext cx="3931920" cy="2211705"/>
+          </a:xfrm>
+          <a:prstGeom prst="rect">
+            <a:avLst/>
+          </a:prstGeom>
+        </p:spPr>
+      </p:pic>
+      <p:pic>
+        <p:nvPicPr>
+          <p:cNvPr id="33" name="图片 32">
+            <a:extLst>
+              <a:ext uri="{FF2B5EF4-FFF2-40B4-BE49-F238E27FC236}">
+                <a16:creationId xmlns:a16="http://schemas.microsoft.com/office/drawing/2014/main" id="{CD2B31B8-D2E1-8143-8156-D537D318C43A}"/>
+              </a:ext>
+            </a:extLst>
+          </p:cNvPr>
+          <p:cNvPicPr>
+            <a:picLocks noChangeAspect="1"/>
+          </p:cNvPicPr>
+          <p:nvPr/>
+        </p:nvPicPr>
+        <p:blipFill>
+          <a:blip r:embed="rId23"/>
+          <a:srcRect/>
+          <a:stretch/>
+        </p:blipFill>
+        <p:spPr>
+          <a:xfrm>
+            <a:off x="13363213" y="8698042"/>
+            <a:ext cx="3931920" cy="2211705"/>
+          </a:xfrm>
+          <a:prstGeom prst="rect">
+            <a:avLst/>
+          </a:prstGeom>
+        </p:spPr>
+      </p:pic>
+      <p:pic>
+        <p:nvPicPr>
+          <p:cNvPr id="35" name="图片 34">
+            <a:extLst>
+              <a:ext uri="{FF2B5EF4-FFF2-40B4-BE49-F238E27FC236}">
+                <a16:creationId xmlns:a16="http://schemas.microsoft.com/office/drawing/2014/main" id="{F0CBC853-5CA8-4149-A8CE-BE24E8205C0B}"/>
+              </a:ext>
+            </a:extLst>
+          </p:cNvPr>
+          <p:cNvPicPr>
+            <a:picLocks noChangeAspect="1"/>
+          </p:cNvPicPr>
+          <p:nvPr/>
+        </p:nvPicPr>
+        <p:blipFill>
+          <a:blip r:embed="rId24"/>
+          <a:srcRect/>
+          <a:stretch/>
+        </p:blipFill>
+        <p:spPr>
+          <a:xfrm>
+            <a:off x="13363213" y="10978323"/>
+            <a:ext cx="3931920" cy="2211705"/>
+          </a:xfrm>
+          <a:prstGeom prst="rect">
+            <a:avLst/>
+          </a:prstGeom>
+        </p:spPr>
+      </p:pic>
+      <p:pic>
+        <p:nvPicPr>
+          <p:cNvPr id="37" name="图片 36">
+            <a:extLst>
+              <a:ext uri="{FF2B5EF4-FFF2-40B4-BE49-F238E27FC236}">
+                <a16:creationId xmlns:a16="http://schemas.microsoft.com/office/drawing/2014/main" id="{0F4F8B3B-EE24-F14B-ADFC-0CCDD4A2AD88}"/>
+              </a:ext>
+            </a:extLst>
+          </p:cNvPr>
+          <p:cNvPicPr>
+            <a:picLocks noChangeAspect="1"/>
+          </p:cNvPicPr>
+          <p:nvPr/>
+        </p:nvPicPr>
+        <p:blipFill>
+          <a:blip r:embed="rId25"/>
+          <a:srcRect/>
+          <a:stretch/>
+        </p:blipFill>
+        <p:spPr>
+          <a:xfrm>
+            <a:off x="13363213" y="13258606"/>
             <a:ext cx="3931920" cy="2211705"/>
           </a:xfrm>
           <a:prstGeom prst="rect">
@@ -4089,7 +4410,7 @@
     </p:spTree>
     <p:extLst>
       <p:ext uri="{BB962C8B-B14F-4D97-AF65-F5344CB8AC3E}">
-        <p14:creationId xmlns:p14="http://schemas.microsoft.com/office/powerpoint/2010/main" val="823217047"/>
+        <p14:creationId xmlns:p14="http://schemas.microsoft.com/office/powerpoint/2010/main" val="2589071973"/>
       </p:ext>
     </p:extLst>
   </p:cSld>
@@ -4118,177 +4439,526 @@
       </p:grpSpPr>
       <p:pic>
         <p:nvPicPr>
-          <p:cNvPr id="5" name="内容占位符 4">
-            <a:extLst>
-              <a:ext uri="{FF2B5EF4-FFF2-40B4-BE49-F238E27FC236}">
-                <a16:creationId xmlns:a16="http://schemas.microsoft.com/office/drawing/2014/main" id="{89F0E6E4-AB7C-0142-8670-63FC10E1AFD8}"/>
-              </a:ext>
-            </a:extLst>
-          </p:cNvPr>
-          <p:cNvPicPr>
-            <a:picLocks noGrp="1" noChangeAspect="1"/>
-          </p:cNvPicPr>
-          <p:nvPr>
-            <p:ph idx="1"/>
-          </p:nvPr>
+          <p:cNvPr id="7" name="图片 6">
+            <a:extLst>
+              <a:ext uri="{FF2B5EF4-FFF2-40B4-BE49-F238E27FC236}">
+                <a16:creationId xmlns:a16="http://schemas.microsoft.com/office/drawing/2014/main" id="{CCD21D3F-EA80-A142-A315-53F7DF55E7FA}"/>
+              </a:ext>
+            </a:extLst>
+          </p:cNvPr>
+          <p:cNvPicPr>
+            <a:picLocks noChangeAspect="1"/>
+          </p:cNvPicPr>
+          <p:nvPr/>
         </p:nvPicPr>
         <p:blipFill>
           <a:blip r:embed="rId2"/>
+          <a:srcRect/>
+          <a:stretch/>
+        </p:blipFill>
+        <p:spPr>
+          <a:xfrm>
+            <a:off x="2720066" y="1898752"/>
+            <a:ext cx="3931920" cy="2211705"/>
+          </a:xfrm>
+          <a:prstGeom prst="rect">
+            <a:avLst/>
+          </a:prstGeom>
+        </p:spPr>
+      </p:pic>
+      <p:pic>
+        <p:nvPicPr>
+          <p:cNvPr id="9" name="图片 8">
+            <a:extLst>
+              <a:ext uri="{FF2B5EF4-FFF2-40B4-BE49-F238E27FC236}">
+                <a16:creationId xmlns:a16="http://schemas.microsoft.com/office/drawing/2014/main" id="{2741E7BF-5A32-764F-890B-2665B585DB4D}"/>
+              </a:ext>
+            </a:extLst>
+          </p:cNvPr>
+          <p:cNvPicPr>
+            <a:picLocks noChangeAspect="1"/>
+          </p:cNvPicPr>
+          <p:nvPr/>
+        </p:nvPicPr>
+        <p:blipFill>
+          <a:blip r:embed="rId3"/>
+          <a:srcRect/>
+          <a:stretch/>
+        </p:blipFill>
+        <p:spPr>
+          <a:xfrm>
+            <a:off x="2720066" y="4179037"/>
+            <a:ext cx="3931920" cy="2211705"/>
+          </a:xfrm>
+          <a:prstGeom prst="rect">
+            <a:avLst/>
+          </a:prstGeom>
+        </p:spPr>
+      </p:pic>
+      <p:pic>
+        <p:nvPicPr>
+          <p:cNvPr id="13" name="图片 12">
+            <a:extLst>
+              <a:ext uri="{FF2B5EF4-FFF2-40B4-BE49-F238E27FC236}">
+                <a16:creationId xmlns:a16="http://schemas.microsoft.com/office/drawing/2014/main" id="{07501A40-B7A1-5E48-93A6-D0D3004B7B8B}"/>
+              </a:ext>
+            </a:extLst>
+          </p:cNvPr>
+          <p:cNvPicPr>
+            <a:picLocks noChangeAspect="1"/>
+          </p:cNvPicPr>
+          <p:nvPr/>
+        </p:nvPicPr>
+        <p:blipFill>
+          <a:blip r:embed="rId4"/>
+          <a:srcRect/>
+          <a:stretch/>
+        </p:blipFill>
+        <p:spPr>
+          <a:xfrm>
+            <a:off x="2720066" y="6459322"/>
+            <a:ext cx="3931920" cy="2211705"/>
+          </a:xfrm>
+          <a:prstGeom prst="rect">
+            <a:avLst/>
+          </a:prstGeom>
+        </p:spPr>
+      </p:pic>
+      <p:pic>
+        <p:nvPicPr>
+          <p:cNvPr id="21" name="图片 20">
+            <a:extLst>
+              <a:ext uri="{FF2B5EF4-FFF2-40B4-BE49-F238E27FC236}">
+                <a16:creationId xmlns:a16="http://schemas.microsoft.com/office/drawing/2014/main" id="{98F65609-8CF1-504C-82E1-F24A7E70F64B}"/>
+              </a:ext>
+            </a:extLst>
+          </p:cNvPr>
+          <p:cNvPicPr>
+            <a:picLocks noChangeAspect="1"/>
+          </p:cNvPicPr>
+          <p:nvPr/>
+        </p:nvPicPr>
+        <p:blipFill>
+          <a:blip r:embed="rId5"/>
+          <a:srcRect/>
+          <a:stretch/>
+        </p:blipFill>
+        <p:spPr>
+          <a:xfrm>
+            <a:off x="2720066" y="8739605"/>
+            <a:ext cx="3931920" cy="2211705"/>
+          </a:xfrm>
+          <a:prstGeom prst="rect">
+            <a:avLst/>
+          </a:prstGeom>
+        </p:spPr>
+      </p:pic>
+      <p:pic>
+        <p:nvPicPr>
+          <p:cNvPr id="23" name="图片 22">
+            <a:extLst>
+              <a:ext uri="{FF2B5EF4-FFF2-40B4-BE49-F238E27FC236}">
+                <a16:creationId xmlns:a16="http://schemas.microsoft.com/office/drawing/2014/main" id="{EB21C777-856F-BE47-98CD-B6D3464CBD8D}"/>
+              </a:ext>
+            </a:extLst>
+          </p:cNvPr>
+          <p:cNvPicPr>
+            <a:picLocks noChangeAspect="1"/>
+          </p:cNvPicPr>
+          <p:nvPr/>
+        </p:nvPicPr>
+        <p:blipFill>
+          <a:blip r:embed="rId6"/>
+          <a:srcRect/>
+          <a:stretch/>
+        </p:blipFill>
+        <p:spPr>
+          <a:xfrm>
+            <a:off x="2720066" y="11019886"/>
+            <a:ext cx="3931920" cy="2211705"/>
+          </a:xfrm>
+          <a:prstGeom prst="rect">
+            <a:avLst/>
+          </a:prstGeom>
+        </p:spPr>
+      </p:pic>
+      <p:pic>
+        <p:nvPicPr>
+          <p:cNvPr id="29" name="图片 28">
+            <a:extLst>
+              <a:ext uri="{FF2B5EF4-FFF2-40B4-BE49-F238E27FC236}">
+                <a16:creationId xmlns:a16="http://schemas.microsoft.com/office/drawing/2014/main" id="{BEA8DA78-536F-1549-AA12-BBFC8F175DCF}"/>
+              </a:ext>
+            </a:extLst>
+          </p:cNvPr>
+          <p:cNvPicPr>
+            <a:picLocks noChangeAspect="1"/>
+          </p:cNvPicPr>
+          <p:nvPr/>
+        </p:nvPicPr>
+        <p:blipFill>
+          <a:blip r:embed="rId7"/>
+          <a:srcRect/>
+          <a:stretch/>
+        </p:blipFill>
+        <p:spPr>
+          <a:xfrm>
+            <a:off x="2720066" y="13300169"/>
+            <a:ext cx="3931920" cy="2211705"/>
+          </a:xfrm>
+          <a:prstGeom prst="rect">
+            <a:avLst/>
+          </a:prstGeom>
+        </p:spPr>
+      </p:pic>
+      <p:pic>
+        <p:nvPicPr>
+          <p:cNvPr id="3" name="图片 2">
+            <a:extLst>
+              <a:ext uri="{FF2B5EF4-FFF2-40B4-BE49-F238E27FC236}">
+                <a16:creationId xmlns:a16="http://schemas.microsoft.com/office/drawing/2014/main" id="{DE9A3D0A-F786-9345-9DB2-1EBCE5E8DB5D}"/>
+              </a:ext>
+            </a:extLst>
+          </p:cNvPr>
+          <p:cNvPicPr>
+            <a:picLocks noChangeAspect="1"/>
+          </p:cNvPicPr>
+          <p:nvPr/>
+        </p:nvPicPr>
+        <p:blipFill>
+          <a:blip r:embed="rId8"/>
+          <a:srcRect/>
+          <a:stretch/>
+        </p:blipFill>
+        <p:spPr>
+          <a:xfrm>
+            <a:off x="6867468" y="1898752"/>
+            <a:ext cx="3931920" cy="2211705"/>
+          </a:xfrm>
+          <a:prstGeom prst="rect">
+            <a:avLst/>
+          </a:prstGeom>
+        </p:spPr>
+      </p:pic>
+      <p:pic>
+        <p:nvPicPr>
+          <p:cNvPr id="6" name="图片 5">
+            <a:extLst>
+              <a:ext uri="{FF2B5EF4-FFF2-40B4-BE49-F238E27FC236}">
+                <a16:creationId xmlns:a16="http://schemas.microsoft.com/office/drawing/2014/main" id="{46956321-C271-4F40-A0A4-FF3A610505A7}"/>
+              </a:ext>
+            </a:extLst>
+          </p:cNvPr>
+          <p:cNvPicPr>
+            <a:picLocks noChangeAspect="1"/>
+          </p:cNvPicPr>
+          <p:nvPr/>
+        </p:nvPicPr>
+        <p:blipFill>
+          <a:blip r:embed="rId9"/>
+          <a:srcRect/>
+          <a:stretch/>
+        </p:blipFill>
+        <p:spPr>
+          <a:xfrm>
+            <a:off x="6867468" y="4179036"/>
+            <a:ext cx="3931920" cy="2211705"/>
+          </a:xfrm>
+          <a:prstGeom prst="rect">
+            <a:avLst/>
+          </a:prstGeom>
+        </p:spPr>
+      </p:pic>
+      <p:pic>
+        <p:nvPicPr>
+          <p:cNvPr id="10" name="图片 9">
+            <a:extLst>
+              <a:ext uri="{FF2B5EF4-FFF2-40B4-BE49-F238E27FC236}">
+                <a16:creationId xmlns:a16="http://schemas.microsoft.com/office/drawing/2014/main" id="{4A143AB3-AAA5-5A44-BAEE-BF6B4363860B}"/>
+              </a:ext>
+            </a:extLst>
+          </p:cNvPr>
+          <p:cNvPicPr>
+            <a:picLocks noChangeAspect="1"/>
+          </p:cNvPicPr>
+          <p:nvPr/>
+        </p:nvPicPr>
+        <p:blipFill>
+          <a:blip r:embed="rId10"/>
+          <a:srcRect/>
+          <a:stretch/>
+        </p:blipFill>
+        <p:spPr>
+          <a:xfrm>
+            <a:off x="6867468" y="6459321"/>
+            <a:ext cx="3931920" cy="2211705"/>
+          </a:xfrm>
+          <a:prstGeom prst="rect">
+            <a:avLst/>
+          </a:prstGeom>
+        </p:spPr>
+      </p:pic>
+      <p:pic>
+        <p:nvPicPr>
+          <p:cNvPr id="14" name="图片 13">
+            <a:extLst>
+              <a:ext uri="{FF2B5EF4-FFF2-40B4-BE49-F238E27FC236}">
+                <a16:creationId xmlns:a16="http://schemas.microsoft.com/office/drawing/2014/main" id="{EBE484E2-47B2-CF48-BC6F-1E931764A266}"/>
+              </a:ext>
+            </a:extLst>
+          </p:cNvPr>
+          <p:cNvPicPr>
+            <a:picLocks noChangeAspect="1"/>
+          </p:cNvPicPr>
+          <p:nvPr/>
+        </p:nvPicPr>
+        <p:blipFill>
+          <a:blip r:embed="rId11"/>
+          <a:srcRect/>
+          <a:stretch/>
+        </p:blipFill>
+        <p:spPr>
+          <a:xfrm>
+            <a:off x="6867468" y="8739605"/>
+            <a:ext cx="3931920" cy="2211705"/>
+          </a:xfrm>
+          <a:prstGeom prst="rect">
+            <a:avLst/>
+          </a:prstGeom>
+        </p:spPr>
+      </p:pic>
+      <p:pic>
+        <p:nvPicPr>
+          <p:cNvPr id="17" name="图片 16">
+            <a:extLst>
+              <a:ext uri="{FF2B5EF4-FFF2-40B4-BE49-F238E27FC236}">
+                <a16:creationId xmlns:a16="http://schemas.microsoft.com/office/drawing/2014/main" id="{6171D863-65EC-D747-A66D-6B3E7B9515F1}"/>
+              </a:ext>
+            </a:extLst>
+          </p:cNvPr>
+          <p:cNvPicPr>
+            <a:picLocks noChangeAspect="1"/>
+          </p:cNvPicPr>
+          <p:nvPr/>
+        </p:nvPicPr>
+        <p:blipFill>
+          <a:blip r:embed="rId6"/>
+          <a:srcRect/>
+          <a:stretch/>
+        </p:blipFill>
+        <p:spPr>
+          <a:xfrm>
+            <a:off x="6867468" y="11019886"/>
+            <a:ext cx="3931920" cy="2211705"/>
+          </a:xfrm>
+          <a:prstGeom prst="rect">
+            <a:avLst/>
+          </a:prstGeom>
+        </p:spPr>
+      </p:pic>
+      <p:pic>
+        <p:nvPicPr>
+          <p:cNvPr id="20" name="图片 19">
+            <a:extLst>
+              <a:ext uri="{FF2B5EF4-FFF2-40B4-BE49-F238E27FC236}">
+                <a16:creationId xmlns:a16="http://schemas.microsoft.com/office/drawing/2014/main" id="{95C41A0D-128D-A04D-AEA4-69A2B7FA8454}"/>
+              </a:ext>
+            </a:extLst>
+          </p:cNvPr>
+          <p:cNvPicPr>
+            <a:picLocks noChangeAspect="1"/>
+          </p:cNvPicPr>
+          <p:nvPr/>
+        </p:nvPicPr>
+        <p:blipFill>
+          <a:blip r:embed="rId12"/>
+          <a:srcRect/>
+          <a:stretch/>
+        </p:blipFill>
+        <p:spPr>
+          <a:xfrm>
+            <a:off x="6867468" y="13300169"/>
+            <a:ext cx="3931920" cy="2211705"/>
+          </a:xfrm>
+          <a:prstGeom prst="rect">
+            <a:avLst/>
+          </a:prstGeom>
+        </p:spPr>
+      </p:pic>
+      <p:pic>
+        <p:nvPicPr>
+          <p:cNvPr id="24" name="图片 23">
+            <a:extLst>
+              <a:ext uri="{FF2B5EF4-FFF2-40B4-BE49-F238E27FC236}">
+                <a16:creationId xmlns:a16="http://schemas.microsoft.com/office/drawing/2014/main" id="{AD5D7A68-2368-004D-9ADB-1EC551EF55F1}"/>
+              </a:ext>
+            </a:extLst>
+          </p:cNvPr>
+          <p:cNvPicPr>
+            <a:picLocks noChangeAspect="1"/>
+          </p:cNvPicPr>
+          <p:nvPr/>
+        </p:nvPicPr>
+        <p:blipFill>
+          <a:blip r:embed="rId13"/>
           <a:stretch>
             <a:fillRect/>
           </a:stretch>
         </p:blipFill>
         <p:spPr>
           <a:xfrm>
-            <a:off x="2498823" y="1571457"/>
-            <a:ext cx="4160000" cy="2340000"/>
-          </a:xfrm>
-        </p:spPr>
-      </p:pic>
-      <p:pic>
-        <p:nvPicPr>
-          <p:cNvPr id="7" name="图片 6">
-            <a:extLst>
-              <a:ext uri="{FF2B5EF4-FFF2-40B4-BE49-F238E27FC236}">
-                <a16:creationId xmlns:a16="http://schemas.microsoft.com/office/drawing/2014/main" id="{5B9D0D7F-EE3C-5E4B-A477-8F4267E60978}"/>
-              </a:ext>
-            </a:extLst>
-          </p:cNvPr>
-          <p:cNvPicPr>
-            <a:picLocks noChangeAspect="1"/>
-          </p:cNvPicPr>
-          <p:nvPr/>
-        </p:nvPicPr>
-        <p:blipFill>
-          <a:blip r:embed="rId3"/>
+            <a:off x="11014868" y="1898752"/>
+            <a:ext cx="3931920" cy="2211705"/>
+          </a:xfrm>
+          <a:prstGeom prst="rect">
+            <a:avLst/>
+          </a:prstGeom>
+        </p:spPr>
+      </p:pic>
+      <p:pic>
+        <p:nvPicPr>
+          <p:cNvPr id="26" name="图片 25">
+            <a:extLst>
+              <a:ext uri="{FF2B5EF4-FFF2-40B4-BE49-F238E27FC236}">
+                <a16:creationId xmlns:a16="http://schemas.microsoft.com/office/drawing/2014/main" id="{EBC2B660-2C15-634C-8758-E65AEE1309C7}"/>
+              </a:ext>
+            </a:extLst>
+          </p:cNvPr>
+          <p:cNvPicPr>
+            <a:picLocks noChangeAspect="1"/>
+          </p:cNvPicPr>
+          <p:nvPr/>
+        </p:nvPicPr>
+        <p:blipFill>
+          <a:blip r:embed="rId14"/>
           <a:stretch>
             <a:fillRect/>
           </a:stretch>
         </p:blipFill>
         <p:spPr>
           <a:xfrm>
-            <a:off x="6816972" y="1571457"/>
-            <a:ext cx="4160000" cy="2340000"/>
-          </a:xfrm>
-          <a:prstGeom prst="rect">
-            <a:avLst/>
-          </a:prstGeom>
-        </p:spPr>
-      </p:pic>
-      <p:pic>
-        <p:nvPicPr>
-          <p:cNvPr id="11" name="图片 10">
-            <a:extLst>
-              <a:ext uri="{FF2B5EF4-FFF2-40B4-BE49-F238E27FC236}">
-                <a16:creationId xmlns:a16="http://schemas.microsoft.com/office/drawing/2014/main" id="{CB21588F-3AB1-4B40-97C2-878A26CB9792}"/>
-              </a:ext>
-            </a:extLst>
-          </p:cNvPr>
-          <p:cNvPicPr>
-            <a:picLocks noChangeAspect="1"/>
-          </p:cNvPicPr>
-          <p:nvPr/>
-        </p:nvPicPr>
-        <p:blipFill>
-          <a:blip r:embed="rId4"/>
+            <a:off x="11014868" y="4179036"/>
+            <a:ext cx="3931920" cy="2211705"/>
+          </a:xfrm>
+          <a:prstGeom prst="rect">
+            <a:avLst/>
+          </a:prstGeom>
+        </p:spPr>
+      </p:pic>
+      <p:pic>
+        <p:nvPicPr>
+          <p:cNvPr id="30" name="图片 29">
+            <a:extLst>
+              <a:ext uri="{FF2B5EF4-FFF2-40B4-BE49-F238E27FC236}">
+                <a16:creationId xmlns:a16="http://schemas.microsoft.com/office/drawing/2014/main" id="{3566EFC4-B199-7247-91A9-D11CAB53501D}"/>
+              </a:ext>
+            </a:extLst>
+          </p:cNvPr>
+          <p:cNvPicPr>
+            <a:picLocks noChangeAspect="1"/>
+          </p:cNvPicPr>
+          <p:nvPr/>
+        </p:nvPicPr>
+        <p:blipFill>
+          <a:blip r:embed="rId15"/>
           <a:stretch>
             <a:fillRect/>
           </a:stretch>
         </p:blipFill>
         <p:spPr>
           <a:xfrm>
-            <a:off x="11135121" y="1593678"/>
-            <a:ext cx="4160000" cy="2340000"/>
-          </a:xfrm>
-          <a:prstGeom prst="rect">
-            <a:avLst/>
-          </a:prstGeom>
-        </p:spPr>
-      </p:pic>
-      <p:pic>
-        <p:nvPicPr>
-          <p:cNvPr id="15" name="图片 14">
-            <a:extLst>
-              <a:ext uri="{FF2B5EF4-FFF2-40B4-BE49-F238E27FC236}">
-                <a16:creationId xmlns:a16="http://schemas.microsoft.com/office/drawing/2014/main" id="{BC48ED76-43E6-324C-86AD-6B571E59BF6F}"/>
-              </a:ext>
-            </a:extLst>
-          </p:cNvPr>
-          <p:cNvPicPr>
-            <a:picLocks noChangeAspect="1"/>
-          </p:cNvPicPr>
-          <p:nvPr/>
-        </p:nvPicPr>
-        <p:blipFill>
-          <a:blip r:embed="rId5"/>
+            <a:off x="11014868" y="6459321"/>
+            <a:ext cx="3931920" cy="2211705"/>
+          </a:xfrm>
+          <a:prstGeom prst="rect">
+            <a:avLst/>
+          </a:prstGeom>
+        </p:spPr>
+      </p:pic>
+      <p:pic>
+        <p:nvPicPr>
+          <p:cNvPr id="33" name="图片 32">
+            <a:extLst>
+              <a:ext uri="{FF2B5EF4-FFF2-40B4-BE49-F238E27FC236}">
+                <a16:creationId xmlns:a16="http://schemas.microsoft.com/office/drawing/2014/main" id="{CD2B31B8-D2E1-8143-8156-D537D318C43A}"/>
+              </a:ext>
+            </a:extLst>
+          </p:cNvPr>
+          <p:cNvPicPr>
+            <a:picLocks noChangeAspect="1"/>
+          </p:cNvPicPr>
+          <p:nvPr/>
+        </p:nvPicPr>
+        <p:blipFill>
+          <a:blip r:embed="rId16"/>
           <a:stretch>
             <a:fillRect/>
           </a:stretch>
         </p:blipFill>
         <p:spPr>
           <a:xfrm>
-            <a:off x="2498823" y="4059802"/>
-            <a:ext cx="4160000" cy="2340000"/>
-          </a:xfrm>
-          <a:prstGeom prst="rect">
-            <a:avLst/>
-          </a:prstGeom>
-        </p:spPr>
-      </p:pic>
-      <p:pic>
-        <p:nvPicPr>
-          <p:cNvPr id="17" name="图片 16">
-            <a:extLst>
-              <a:ext uri="{FF2B5EF4-FFF2-40B4-BE49-F238E27FC236}">
-                <a16:creationId xmlns:a16="http://schemas.microsoft.com/office/drawing/2014/main" id="{237ABDA4-4EDC-944A-A0F6-93070D77A81A}"/>
-              </a:ext>
-            </a:extLst>
-          </p:cNvPr>
-          <p:cNvPicPr>
-            <a:picLocks noChangeAspect="1"/>
-          </p:cNvPicPr>
-          <p:nvPr/>
-        </p:nvPicPr>
-        <p:blipFill>
-          <a:blip r:embed="rId6"/>
+            <a:off x="11014868" y="8739605"/>
+            <a:ext cx="3931920" cy="2211705"/>
+          </a:xfrm>
+          <a:prstGeom prst="rect">
+            <a:avLst/>
+          </a:prstGeom>
+        </p:spPr>
+      </p:pic>
+      <p:pic>
+        <p:nvPicPr>
+          <p:cNvPr id="35" name="图片 34">
+            <a:extLst>
+              <a:ext uri="{FF2B5EF4-FFF2-40B4-BE49-F238E27FC236}">
+                <a16:creationId xmlns:a16="http://schemas.microsoft.com/office/drawing/2014/main" id="{F0CBC853-5CA8-4149-A8CE-BE24E8205C0B}"/>
+              </a:ext>
+            </a:extLst>
+          </p:cNvPr>
+          <p:cNvPicPr>
+            <a:picLocks noChangeAspect="1"/>
+          </p:cNvPicPr>
+          <p:nvPr/>
+        </p:nvPicPr>
+        <p:blipFill>
+          <a:blip r:embed="rId17"/>
           <a:stretch>
             <a:fillRect/>
           </a:stretch>
         </p:blipFill>
         <p:spPr>
           <a:xfrm>
-            <a:off x="11135121" y="4059802"/>
-            <a:ext cx="4160000" cy="2340000"/>
-          </a:xfrm>
-          <a:prstGeom prst="rect">
-            <a:avLst/>
-          </a:prstGeom>
-        </p:spPr>
-      </p:pic>
-      <p:pic>
-        <p:nvPicPr>
-          <p:cNvPr id="19" name="图片 18">
-            <a:extLst>
-              <a:ext uri="{FF2B5EF4-FFF2-40B4-BE49-F238E27FC236}">
-                <a16:creationId xmlns:a16="http://schemas.microsoft.com/office/drawing/2014/main" id="{C0C326CC-F50D-8F47-B0E7-2810775E1876}"/>
-              </a:ext>
-            </a:extLst>
-          </p:cNvPr>
-          <p:cNvPicPr>
-            <a:picLocks noChangeAspect="1"/>
-          </p:cNvPicPr>
-          <p:nvPr/>
-        </p:nvPicPr>
-        <p:blipFill>
-          <a:blip r:embed="rId7"/>
+            <a:off x="11014868" y="11019886"/>
+            <a:ext cx="3931920" cy="2211705"/>
+          </a:xfrm>
+          <a:prstGeom prst="rect">
+            <a:avLst/>
+          </a:prstGeom>
+        </p:spPr>
+      </p:pic>
+      <p:pic>
+        <p:nvPicPr>
+          <p:cNvPr id="37" name="图片 36">
+            <a:extLst>
+              <a:ext uri="{FF2B5EF4-FFF2-40B4-BE49-F238E27FC236}">
+                <a16:creationId xmlns:a16="http://schemas.microsoft.com/office/drawing/2014/main" id="{0F4F8B3B-EE24-F14B-ADFC-0CCDD4A2AD88}"/>
+              </a:ext>
+            </a:extLst>
+          </p:cNvPr>
+          <p:cNvPicPr>
+            <a:picLocks noChangeAspect="1"/>
+          </p:cNvPicPr>
+          <p:nvPr/>
+        </p:nvPicPr>
+        <p:blipFill>
+          <a:blip r:embed="rId18"/>
           <a:stretch>
             <a:fillRect/>
           </a:stretch>
         </p:blipFill>
         <p:spPr>
           <a:xfrm>
-            <a:off x="6816972" y="4059802"/>
-            <a:ext cx="4160000" cy="2340000"/>
+            <a:off x="11014868" y="13300169"/>
+            <a:ext cx="3931920" cy="2211705"/>
           </a:xfrm>
           <a:prstGeom prst="rect">
             <a:avLst/>
@@ -4298,7 +4968,7 @@
     </p:spTree>
     <p:extLst>
       <p:ext uri="{BB962C8B-B14F-4D97-AF65-F5344CB8AC3E}">
-        <p14:creationId xmlns:p14="http://schemas.microsoft.com/office/powerpoint/2010/main" val="2896204731"/>
+        <p14:creationId xmlns:p14="http://schemas.microsoft.com/office/powerpoint/2010/main" val="111582087"/>
       </p:ext>
     </p:extLst>
   </p:cSld>
@@ -4327,17 +4997,19 @@
       </p:grpSpPr>
       <p:pic>
         <p:nvPicPr>
-          <p:cNvPr id="5" name="图片 4">
-            <a:extLst>
-              <a:ext uri="{FF2B5EF4-FFF2-40B4-BE49-F238E27FC236}">
-                <a16:creationId xmlns:a16="http://schemas.microsoft.com/office/drawing/2014/main" id="{FC036E9A-A300-AC44-BD2C-B8D63F358FEA}"/>
-              </a:ext>
-            </a:extLst>
-          </p:cNvPr>
-          <p:cNvPicPr>
-            <a:picLocks noChangeAspect="1"/>
-          </p:cNvPicPr>
-          <p:nvPr/>
+          <p:cNvPr id="5" name="内容占位符 4">
+            <a:extLst>
+              <a:ext uri="{FF2B5EF4-FFF2-40B4-BE49-F238E27FC236}">
+                <a16:creationId xmlns:a16="http://schemas.microsoft.com/office/drawing/2014/main" id="{89F0E6E4-AB7C-0142-8670-63FC10E1AFD8}"/>
+              </a:ext>
+            </a:extLst>
+          </p:cNvPr>
+          <p:cNvPicPr>
+            <a:picLocks noGrp="1" noChangeAspect="1"/>
+          </p:cNvPicPr>
+          <p:nvPr>
+            <p:ph idx="1"/>
+          </p:nvPr>
         </p:nvPicPr>
         <p:blipFill>
           <a:blip r:embed="rId2"/>
@@ -4346,12 +5018,9 @@
         </p:blipFill>
         <p:spPr>
           <a:xfrm>
-            <a:off x="921011" y="1857189"/>
-            <a:ext cx="3931920" cy="2211705"/>
-          </a:xfrm>
-          <a:prstGeom prst="rect">
-            <a:avLst/>
-          </a:prstGeom>
+            <a:off x="2498823" y="1571457"/>
+            <a:ext cx="4160000" cy="2340000"/>
+          </a:xfrm>
         </p:spPr>
       </p:pic>
       <p:pic>
@@ -4359,7 +5028,7 @@
           <p:cNvPr id="7" name="图片 6">
             <a:extLst>
               <a:ext uri="{FF2B5EF4-FFF2-40B4-BE49-F238E27FC236}">
-                <a16:creationId xmlns:a16="http://schemas.microsoft.com/office/drawing/2014/main" id="{CCD21D3F-EA80-A142-A315-53F7DF55E7FA}"/>
+                <a16:creationId xmlns:a16="http://schemas.microsoft.com/office/drawing/2014/main" id="{5B9D0D7F-EE3C-5E4B-A477-8F4267E60978}"/>
               </a:ext>
             </a:extLst>
           </p:cNvPr>
@@ -4375,8 +5044,153 @@
         </p:blipFill>
         <p:spPr>
           <a:xfrm>
-            <a:off x="5068411" y="1857189"/>
-            <a:ext cx="3931920" cy="2211705"/>
+            <a:off x="6816972" y="1571457"/>
+            <a:ext cx="4160000" cy="2340000"/>
+          </a:xfrm>
+          <a:prstGeom prst="rect">
+            <a:avLst/>
+          </a:prstGeom>
+        </p:spPr>
+      </p:pic>
+      <p:pic>
+        <p:nvPicPr>
+          <p:cNvPr id="11" name="图片 10">
+            <a:extLst>
+              <a:ext uri="{FF2B5EF4-FFF2-40B4-BE49-F238E27FC236}">
+                <a16:creationId xmlns:a16="http://schemas.microsoft.com/office/drawing/2014/main" id="{CB21588F-3AB1-4B40-97C2-878A26CB9792}"/>
+              </a:ext>
+            </a:extLst>
+          </p:cNvPr>
+          <p:cNvPicPr>
+            <a:picLocks noChangeAspect="1"/>
+          </p:cNvPicPr>
+          <p:nvPr/>
+        </p:nvPicPr>
+        <p:blipFill>
+          <a:blip r:embed="rId4"/>
+          <a:srcRect/>
+          <a:stretch/>
+        </p:blipFill>
+        <p:spPr>
+          <a:xfrm>
+            <a:off x="11135121" y="1571457"/>
+            <a:ext cx="4160000" cy="2340000"/>
+          </a:xfrm>
+          <a:prstGeom prst="rect">
+            <a:avLst/>
+          </a:prstGeom>
+        </p:spPr>
+      </p:pic>
+      <p:pic>
+        <p:nvPicPr>
+          <p:cNvPr id="15" name="图片 14">
+            <a:extLst>
+              <a:ext uri="{FF2B5EF4-FFF2-40B4-BE49-F238E27FC236}">
+                <a16:creationId xmlns:a16="http://schemas.microsoft.com/office/drawing/2014/main" id="{BC48ED76-43E6-324C-86AD-6B571E59BF6F}"/>
+              </a:ext>
+            </a:extLst>
+          </p:cNvPr>
+          <p:cNvPicPr>
+            <a:picLocks noChangeAspect="1"/>
+          </p:cNvPicPr>
+          <p:nvPr/>
+        </p:nvPicPr>
+        <p:blipFill>
+          <a:blip r:embed="rId5"/>
+          <a:srcRect/>
+          <a:stretch/>
+        </p:blipFill>
+        <p:spPr>
+          <a:xfrm>
+            <a:off x="2498823" y="4059802"/>
+            <a:ext cx="4160000" cy="2340000"/>
+          </a:xfrm>
+          <a:prstGeom prst="rect">
+            <a:avLst/>
+          </a:prstGeom>
+        </p:spPr>
+      </p:pic>
+      <p:pic>
+        <p:nvPicPr>
+          <p:cNvPr id="17" name="图片 16">
+            <a:extLst>
+              <a:ext uri="{FF2B5EF4-FFF2-40B4-BE49-F238E27FC236}">
+                <a16:creationId xmlns:a16="http://schemas.microsoft.com/office/drawing/2014/main" id="{237ABDA4-4EDC-944A-A0F6-93070D77A81A}"/>
+              </a:ext>
+            </a:extLst>
+          </p:cNvPr>
+          <p:cNvPicPr>
+            <a:picLocks noChangeAspect="1"/>
+          </p:cNvPicPr>
+          <p:nvPr/>
+        </p:nvPicPr>
+        <p:blipFill>
+          <a:blip r:embed="rId6"/>
+          <a:srcRect/>
+          <a:stretch/>
+        </p:blipFill>
+        <p:spPr>
+          <a:xfrm>
+            <a:off x="11135121" y="4059802"/>
+            <a:ext cx="4160000" cy="2340000"/>
+          </a:xfrm>
+          <a:prstGeom prst="rect">
+            <a:avLst/>
+          </a:prstGeom>
+        </p:spPr>
+      </p:pic>
+      <p:pic>
+        <p:nvPicPr>
+          <p:cNvPr id="19" name="图片 18">
+            <a:extLst>
+              <a:ext uri="{FF2B5EF4-FFF2-40B4-BE49-F238E27FC236}">
+                <a16:creationId xmlns:a16="http://schemas.microsoft.com/office/drawing/2014/main" id="{C0C326CC-F50D-8F47-B0E7-2810775E1876}"/>
+              </a:ext>
+            </a:extLst>
+          </p:cNvPr>
+          <p:cNvPicPr>
+            <a:picLocks noChangeAspect="1"/>
+          </p:cNvPicPr>
+          <p:nvPr/>
+        </p:nvPicPr>
+        <p:blipFill>
+          <a:blip r:embed="rId7"/>
+          <a:srcRect/>
+          <a:stretch/>
+        </p:blipFill>
+        <p:spPr>
+          <a:xfrm>
+            <a:off x="6816972" y="4059802"/>
+            <a:ext cx="4160000" cy="2340000"/>
+          </a:xfrm>
+          <a:prstGeom prst="rect">
+            <a:avLst/>
+          </a:prstGeom>
+        </p:spPr>
+      </p:pic>
+      <p:pic>
+        <p:nvPicPr>
+          <p:cNvPr id="8" name="内容占位符 4">
+            <a:extLst>
+              <a:ext uri="{FF2B5EF4-FFF2-40B4-BE49-F238E27FC236}">
+                <a16:creationId xmlns:a16="http://schemas.microsoft.com/office/drawing/2014/main" id="{1228B934-00F6-304F-84C0-8F17F8352EC2}"/>
+              </a:ext>
+            </a:extLst>
+          </p:cNvPr>
+          <p:cNvPicPr>
+            <a:picLocks noChangeAspect="1"/>
+          </p:cNvPicPr>
+          <p:nvPr/>
+        </p:nvPicPr>
+        <p:blipFill>
+          <a:blip r:embed="rId8"/>
+          <a:srcRect/>
+          <a:stretch/>
+        </p:blipFill>
+        <p:spPr>
+          <a:xfrm>
+            <a:off x="2498823" y="6548147"/>
+            <a:ext cx="4160000" cy="2340000"/>
           </a:xfrm>
           <a:prstGeom prst="rect">
             <a:avLst/>
@@ -4388,53 +5202,82 @@
           <p:cNvPr id="9" name="图片 8">
             <a:extLst>
               <a:ext uri="{FF2B5EF4-FFF2-40B4-BE49-F238E27FC236}">
-                <a16:creationId xmlns:a16="http://schemas.microsoft.com/office/drawing/2014/main" id="{2741E7BF-5A32-764F-890B-2665B585DB4D}"/>
-              </a:ext>
-            </a:extLst>
-          </p:cNvPr>
-          <p:cNvPicPr>
-            <a:picLocks noChangeAspect="1"/>
-          </p:cNvPicPr>
-          <p:nvPr/>
-        </p:nvPicPr>
-        <p:blipFill>
-          <a:blip r:embed="rId4"/>
-          <a:srcRect/>
-          <a:stretch/>
-        </p:blipFill>
-        <p:spPr>
-          <a:xfrm>
-            <a:off x="5068411" y="4137474"/>
-            <a:ext cx="3931920" cy="2211705"/>
-          </a:xfrm>
-          <a:prstGeom prst="rect">
-            <a:avLst/>
-          </a:prstGeom>
-        </p:spPr>
-      </p:pic>
-      <p:pic>
-        <p:nvPicPr>
-          <p:cNvPr id="11" name="图片 10">
-            <a:extLst>
-              <a:ext uri="{FF2B5EF4-FFF2-40B4-BE49-F238E27FC236}">
-                <a16:creationId xmlns:a16="http://schemas.microsoft.com/office/drawing/2014/main" id="{1508C622-DB52-B743-9C00-99D14057821D}"/>
-              </a:ext>
-            </a:extLst>
-          </p:cNvPr>
-          <p:cNvPicPr>
-            <a:picLocks noChangeAspect="1"/>
-          </p:cNvPicPr>
-          <p:nvPr/>
-        </p:nvPicPr>
-        <p:blipFill>
-          <a:blip r:embed="rId5"/>
-          <a:srcRect/>
-          <a:stretch/>
-        </p:blipFill>
-        <p:spPr>
-          <a:xfrm>
-            <a:off x="921011" y="4137473"/>
-            <a:ext cx="3931920" cy="2211705"/>
+                <a16:creationId xmlns:a16="http://schemas.microsoft.com/office/drawing/2014/main" id="{3E9E857A-B4EE-FB4C-95B3-A14E3008941D}"/>
+              </a:ext>
+            </a:extLst>
+          </p:cNvPr>
+          <p:cNvPicPr>
+            <a:picLocks noChangeAspect="1"/>
+          </p:cNvPicPr>
+          <p:nvPr/>
+        </p:nvPicPr>
+        <p:blipFill>
+          <a:blip r:embed="rId9"/>
+          <a:srcRect/>
+          <a:stretch/>
+        </p:blipFill>
+        <p:spPr>
+          <a:xfrm>
+            <a:off x="6816972" y="6548147"/>
+            <a:ext cx="4160000" cy="2340000"/>
+          </a:xfrm>
+          <a:prstGeom prst="rect">
+            <a:avLst/>
+          </a:prstGeom>
+        </p:spPr>
+      </p:pic>
+      <p:pic>
+        <p:nvPicPr>
+          <p:cNvPr id="10" name="图片 9">
+            <a:extLst>
+              <a:ext uri="{FF2B5EF4-FFF2-40B4-BE49-F238E27FC236}">
+                <a16:creationId xmlns:a16="http://schemas.microsoft.com/office/drawing/2014/main" id="{0F92D870-5829-774E-A589-045C62B5F2B7}"/>
+              </a:ext>
+            </a:extLst>
+          </p:cNvPr>
+          <p:cNvPicPr>
+            <a:picLocks noChangeAspect="1"/>
+          </p:cNvPicPr>
+          <p:nvPr/>
+        </p:nvPicPr>
+        <p:blipFill>
+          <a:blip r:embed="rId10"/>
+          <a:srcRect/>
+          <a:stretch/>
+        </p:blipFill>
+        <p:spPr>
+          <a:xfrm>
+            <a:off x="11135121" y="6548147"/>
+            <a:ext cx="4160000" cy="2340000"/>
+          </a:xfrm>
+          <a:prstGeom prst="rect">
+            <a:avLst/>
+          </a:prstGeom>
+        </p:spPr>
+      </p:pic>
+      <p:pic>
+        <p:nvPicPr>
+          <p:cNvPr id="12" name="图片 11">
+            <a:extLst>
+              <a:ext uri="{FF2B5EF4-FFF2-40B4-BE49-F238E27FC236}">
+                <a16:creationId xmlns:a16="http://schemas.microsoft.com/office/drawing/2014/main" id="{48E206E7-D3F8-3B49-8F3B-1BB975BCD21B}"/>
+              </a:ext>
+            </a:extLst>
+          </p:cNvPr>
+          <p:cNvPicPr>
+            <a:picLocks noChangeAspect="1"/>
+          </p:cNvPicPr>
+          <p:nvPr/>
+        </p:nvPicPr>
+        <p:blipFill>
+          <a:blip r:embed="rId11"/>
+          <a:srcRect/>
+          <a:stretch/>
+        </p:blipFill>
+        <p:spPr>
+          <a:xfrm>
+            <a:off x="2498823" y="9036492"/>
+            <a:ext cx="4160000" cy="2340000"/>
           </a:xfrm>
           <a:prstGeom prst="rect">
             <a:avLst/>
@@ -4446,7 +5289,7 @@
           <p:cNvPr id="13" name="图片 12">
             <a:extLst>
               <a:ext uri="{FF2B5EF4-FFF2-40B4-BE49-F238E27FC236}">
-                <a16:creationId xmlns:a16="http://schemas.microsoft.com/office/drawing/2014/main" id="{07501A40-B7A1-5E48-93A6-D0D3004B7B8B}"/>
+                <a16:creationId xmlns:a16="http://schemas.microsoft.com/office/drawing/2014/main" id="{D4FF9FF4-A616-9F40-B4D2-FDCDEE3DF979}"/>
               </a:ext>
             </a:extLst>
           </p:cNvPr>
@@ -4462,20 +5305,20 @@
         </p:blipFill>
         <p:spPr>
           <a:xfrm>
-            <a:off x="5068411" y="6417759"/>
-            <a:ext cx="3931920" cy="2211705"/>
-          </a:xfrm>
-          <a:prstGeom prst="rect">
-            <a:avLst/>
-          </a:prstGeom>
-        </p:spPr>
-      </p:pic>
-      <p:pic>
-        <p:nvPicPr>
-          <p:cNvPr id="15" name="图片 14">
-            <a:extLst>
-              <a:ext uri="{FF2B5EF4-FFF2-40B4-BE49-F238E27FC236}">
-                <a16:creationId xmlns:a16="http://schemas.microsoft.com/office/drawing/2014/main" id="{FD29488C-83F4-7644-A7CA-2AE0EC4B6E9F}"/>
+            <a:off x="11135121" y="9036492"/>
+            <a:ext cx="4160000" cy="2340000"/>
+          </a:xfrm>
+          <a:prstGeom prst="rect">
+            <a:avLst/>
+          </a:prstGeom>
+        </p:spPr>
+      </p:pic>
+      <p:pic>
+        <p:nvPicPr>
+          <p:cNvPr id="14" name="图片 13">
+            <a:extLst>
+              <a:ext uri="{FF2B5EF4-FFF2-40B4-BE49-F238E27FC236}">
+                <a16:creationId xmlns:a16="http://schemas.microsoft.com/office/drawing/2014/main" id="{6ECD2FB5-A828-A641-8A99-93F9679EBFFD}"/>
               </a:ext>
             </a:extLst>
           </p:cNvPr>
@@ -4491,530 +5334,8 @@
         </p:blipFill>
         <p:spPr>
           <a:xfrm>
-            <a:off x="921011" y="6417758"/>
-            <a:ext cx="3931920" cy="2211705"/>
-          </a:xfrm>
-          <a:prstGeom prst="rect">
-            <a:avLst/>
-          </a:prstGeom>
-        </p:spPr>
-      </p:pic>
-      <p:pic>
-        <p:nvPicPr>
-          <p:cNvPr id="19" name="图片 18">
-            <a:extLst>
-              <a:ext uri="{FF2B5EF4-FFF2-40B4-BE49-F238E27FC236}">
-                <a16:creationId xmlns:a16="http://schemas.microsoft.com/office/drawing/2014/main" id="{9758ECAA-993D-0740-9B84-20FC53A913BE}"/>
-              </a:ext>
-            </a:extLst>
-          </p:cNvPr>
-          <p:cNvPicPr>
-            <a:picLocks noChangeAspect="1"/>
-          </p:cNvPicPr>
-          <p:nvPr/>
-        </p:nvPicPr>
-        <p:blipFill>
-          <a:blip r:embed="rId8"/>
-          <a:srcRect/>
-          <a:stretch/>
-        </p:blipFill>
-        <p:spPr>
-          <a:xfrm>
-            <a:off x="921011" y="8698042"/>
-            <a:ext cx="3931920" cy="2211705"/>
-          </a:xfrm>
-          <a:prstGeom prst="rect">
-            <a:avLst/>
-          </a:prstGeom>
-        </p:spPr>
-      </p:pic>
-      <p:pic>
-        <p:nvPicPr>
-          <p:cNvPr id="21" name="图片 20">
-            <a:extLst>
-              <a:ext uri="{FF2B5EF4-FFF2-40B4-BE49-F238E27FC236}">
-                <a16:creationId xmlns:a16="http://schemas.microsoft.com/office/drawing/2014/main" id="{98F65609-8CF1-504C-82E1-F24A7E70F64B}"/>
-              </a:ext>
-            </a:extLst>
-          </p:cNvPr>
-          <p:cNvPicPr>
-            <a:picLocks noChangeAspect="1"/>
-          </p:cNvPicPr>
-          <p:nvPr/>
-        </p:nvPicPr>
-        <p:blipFill>
-          <a:blip r:embed="rId9"/>
-          <a:srcRect/>
-          <a:stretch/>
-        </p:blipFill>
-        <p:spPr>
-          <a:xfrm>
-            <a:off x="5068411" y="8698042"/>
-            <a:ext cx="3931920" cy="2211705"/>
-          </a:xfrm>
-          <a:prstGeom prst="rect">
-            <a:avLst/>
-          </a:prstGeom>
-        </p:spPr>
-      </p:pic>
-      <p:pic>
-        <p:nvPicPr>
-          <p:cNvPr id="23" name="图片 22">
-            <a:extLst>
-              <a:ext uri="{FF2B5EF4-FFF2-40B4-BE49-F238E27FC236}">
-                <a16:creationId xmlns:a16="http://schemas.microsoft.com/office/drawing/2014/main" id="{EB21C777-856F-BE47-98CD-B6D3464CBD8D}"/>
-              </a:ext>
-            </a:extLst>
-          </p:cNvPr>
-          <p:cNvPicPr>
-            <a:picLocks noChangeAspect="1"/>
-          </p:cNvPicPr>
-          <p:nvPr/>
-        </p:nvPicPr>
-        <p:blipFill>
-          <a:blip r:embed="rId10"/>
-          <a:srcRect/>
-          <a:stretch/>
-        </p:blipFill>
-        <p:spPr>
-          <a:xfrm>
-            <a:off x="5068411" y="10978323"/>
-            <a:ext cx="3931920" cy="2211705"/>
-          </a:xfrm>
-          <a:prstGeom prst="rect">
-            <a:avLst/>
-          </a:prstGeom>
-        </p:spPr>
-      </p:pic>
-      <p:pic>
-        <p:nvPicPr>
-          <p:cNvPr id="27" name="图片 26">
-            <a:extLst>
-              <a:ext uri="{FF2B5EF4-FFF2-40B4-BE49-F238E27FC236}">
-                <a16:creationId xmlns:a16="http://schemas.microsoft.com/office/drawing/2014/main" id="{6CB1FB51-A6E7-3D4F-8D2E-597BABD777E9}"/>
-              </a:ext>
-            </a:extLst>
-          </p:cNvPr>
-          <p:cNvPicPr>
-            <a:picLocks noChangeAspect="1"/>
-          </p:cNvPicPr>
-          <p:nvPr/>
-        </p:nvPicPr>
-        <p:blipFill>
-          <a:blip r:embed="rId11"/>
-          <a:srcRect/>
-          <a:stretch/>
-        </p:blipFill>
-        <p:spPr>
-          <a:xfrm>
-            <a:off x="921011" y="10978323"/>
-            <a:ext cx="3931920" cy="2211705"/>
-          </a:xfrm>
-          <a:prstGeom prst="rect">
-            <a:avLst/>
-          </a:prstGeom>
-        </p:spPr>
-      </p:pic>
-      <p:pic>
-        <p:nvPicPr>
-          <p:cNvPr id="29" name="图片 28">
-            <a:extLst>
-              <a:ext uri="{FF2B5EF4-FFF2-40B4-BE49-F238E27FC236}">
-                <a16:creationId xmlns:a16="http://schemas.microsoft.com/office/drawing/2014/main" id="{BEA8DA78-536F-1549-AA12-BBFC8F175DCF}"/>
-              </a:ext>
-            </a:extLst>
-          </p:cNvPr>
-          <p:cNvPicPr>
-            <a:picLocks noChangeAspect="1"/>
-          </p:cNvPicPr>
-          <p:nvPr/>
-        </p:nvPicPr>
-        <p:blipFill>
-          <a:blip r:embed="rId12"/>
-          <a:srcRect/>
-          <a:stretch/>
-        </p:blipFill>
-        <p:spPr>
-          <a:xfrm>
-            <a:off x="5068411" y="13258606"/>
-            <a:ext cx="3931920" cy="2211705"/>
-          </a:xfrm>
-          <a:prstGeom prst="rect">
-            <a:avLst/>
-          </a:prstGeom>
-        </p:spPr>
-      </p:pic>
-      <p:pic>
-        <p:nvPicPr>
-          <p:cNvPr id="31" name="图片 30">
-            <a:extLst>
-              <a:ext uri="{FF2B5EF4-FFF2-40B4-BE49-F238E27FC236}">
-                <a16:creationId xmlns:a16="http://schemas.microsoft.com/office/drawing/2014/main" id="{48AC9DDB-31F5-5040-A786-3FDC538B90E6}"/>
-              </a:ext>
-            </a:extLst>
-          </p:cNvPr>
-          <p:cNvPicPr>
-            <a:picLocks noChangeAspect="1"/>
-          </p:cNvPicPr>
-          <p:nvPr/>
-        </p:nvPicPr>
-        <p:blipFill>
-          <a:blip r:embed="rId13"/>
-          <a:srcRect/>
-          <a:stretch/>
-        </p:blipFill>
-        <p:spPr>
-          <a:xfrm>
-            <a:off x="921011" y="13258606"/>
-            <a:ext cx="3931920" cy="2211705"/>
-          </a:xfrm>
-          <a:prstGeom prst="rect">
-            <a:avLst/>
-          </a:prstGeom>
-        </p:spPr>
-      </p:pic>
-      <p:pic>
-        <p:nvPicPr>
-          <p:cNvPr id="3" name="图片 2">
-            <a:extLst>
-              <a:ext uri="{FF2B5EF4-FFF2-40B4-BE49-F238E27FC236}">
-                <a16:creationId xmlns:a16="http://schemas.microsoft.com/office/drawing/2014/main" id="{DE9A3D0A-F786-9345-9DB2-1EBCE5E8DB5D}"/>
-              </a:ext>
-            </a:extLst>
-          </p:cNvPr>
-          <p:cNvPicPr>
-            <a:picLocks noChangeAspect="1"/>
-          </p:cNvPicPr>
-          <p:nvPr/>
-        </p:nvPicPr>
-        <p:blipFill>
-          <a:blip r:embed="rId14"/>
-          <a:srcRect/>
-          <a:stretch/>
-        </p:blipFill>
-        <p:spPr>
-          <a:xfrm>
-            <a:off x="9215813" y="1857189"/>
-            <a:ext cx="3931920" cy="2211705"/>
-          </a:xfrm>
-          <a:prstGeom prst="rect">
-            <a:avLst/>
-          </a:prstGeom>
-        </p:spPr>
-      </p:pic>
-      <p:pic>
-        <p:nvPicPr>
-          <p:cNvPr id="6" name="图片 5">
-            <a:extLst>
-              <a:ext uri="{FF2B5EF4-FFF2-40B4-BE49-F238E27FC236}">
-                <a16:creationId xmlns:a16="http://schemas.microsoft.com/office/drawing/2014/main" id="{46956321-C271-4F40-A0A4-FF3A610505A7}"/>
-              </a:ext>
-            </a:extLst>
-          </p:cNvPr>
-          <p:cNvPicPr>
-            <a:picLocks noChangeAspect="1"/>
-          </p:cNvPicPr>
-          <p:nvPr/>
-        </p:nvPicPr>
-        <p:blipFill>
-          <a:blip r:embed="rId15"/>
-          <a:srcRect/>
-          <a:stretch/>
-        </p:blipFill>
-        <p:spPr>
-          <a:xfrm>
-            <a:off x="9215813" y="4137473"/>
-            <a:ext cx="3931920" cy="2211705"/>
-          </a:xfrm>
-          <a:prstGeom prst="rect">
-            <a:avLst/>
-          </a:prstGeom>
-        </p:spPr>
-      </p:pic>
-      <p:pic>
-        <p:nvPicPr>
-          <p:cNvPr id="10" name="图片 9">
-            <a:extLst>
-              <a:ext uri="{FF2B5EF4-FFF2-40B4-BE49-F238E27FC236}">
-                <a16:creationId xmlns:a16="http://schemas.microsoft.com/office/drawing/2014/main" id="{4A143AB3-AAA5-5A44-BAEE-BF6B4363860B}"/>
-              </a:ext>
-            </a:extLst>
-          </p:cNvPr>
-          <p:cNvPicPr>
-            <a:picLocks noChangeAspect="1"/>
-          </p:cNvPicPr>
-          <p:nvPr/>
-        </p:nvPicPr>
-        <p:blipFill>
-          <a:blip r:embed="rId16"/>
-          <a:srcRect/>
-          <a:stretch/>
-        </p:blipFill>
-        <p:spPr>
-          <a:xfrm>
-            <a:off x="9215813" y="6417758"/>
-            <a:ext cx="3931920" cy="2211705"/>
-          </a:xfrm>
-          <a:prstGeom prst="rect">
-            <a:avLst/>
-          </a:prstGeom>
-        </p:spPr>
-      </p:pic>
-      <p:pic>
-        <p:nvPicPr>
-          <p:cNvPr id="14" name="图片 13">
-            <a:extLst>
-              <a:ext uri="{FF2B5EF4-FFF2-40B4-BE49-F238E27FC236}">
-                <a16:creationId xmlns:a16="http://schemas.microsoft.com/office/drawing/2014/main" id="{EBE484E2-47B2-CF48-BC6F-1E931764A266}"/>
-              </a:ext>
-            </a:extLst>
-          </p:cNvPr>
-          <p:cNvPicPr>
-            <a:picLocks noChangeAspect="1"/>
-          </p:cNvPicPr>
-          <p:nvPr/>
-        </p:nvPicPr>
-        <p:blipFill>
-          <a:blip r:embed="rId17"/>
-          <a:srcRect/>
-          <a:stretch/>
-        </p:blipFill>
-        <p:spPr>
-          <a:xfrm>
-            <a:off x="9215813" y="8698042"/>
-            <a:ext cx="3931920" cy="2211705"/>
-          </a:xfrm>
-          <a:prstGeom prst="rect">
-            <a:avLst/>
-          </a:prstGeom>
-        </p:spPr>
-      </p:pic>
-      <p:pic>
-        <p:nvPicPr>
-          <p:cNvPr id="17" name="图片 16">
-            <a:extLst>
-              <a:ext uri="{FF2B5EF4-FFF2-40B4-BE49-F238E27FC236}">
-                <a16:creationId xmlns:a16="http://schemas.microsoft.com/office/drawing/2014/main" id="{6171D863-65EC-D747-A66D-6B3E7B9515F1}"/>
-              </a:ext>
-            </a:extLst>
-          </p:cNvPr>
-          <p:cNvPicPr>
-            <a:picLocks noChangeAspect="1"/>
-          </p:cNvPicPr>
-          <p:nvPr/>
-        </p:nvPicPr>
-        <p:blipFill>
-          <a:blip r:embed="rId18"/>
-          <a:srcRect/>
-          <a:stretch/>
-        </p:blipFill>
-        <p:spPr>
-          <a:xfrm>
-            <a:off x="9215813" y="10978323"/>
-            <a:ext cx="3931920" cy="2211705"/>
-          </a:xfrm>
-          <a:prstGeom prst="rect">
-            <a:avLst/>
-          </a:prstGeom>
-        </p:spPr>
-      </p:pic>
-      <p:pic>
-        <p:nvPicPr>
-          <p:cNvPr id="20" name="图片 19">
-            <a:extLst>
-              <a:ext uri="{FF2B5EF4-FFF2-40B4-BE49-F238E27FC236}">
-                <a16:creationId xmlns:a16="http://schemas.microsoft.com/office/drawing/2014/main" id="{95C41A0D-128D-A04D-AEA4-69A2B7FA8454}"/>
-              </a:ext>
-            </a:extLst>
-          </p:cNvPr>
-          <p:cNvPicPr>
-            <a:picLocks noChangeAspect="1"/>
-          </p:cNvPicPr>
-          <p:nvPr/>
-        </p:nvPicPr>
-        <p:blipFill>
-          <a:blip r:embed="rId19"/>
-          <a:srcRect/>
-          <a:stretch/>
-        </p:blipFill>
-        <p:spPr>
-          <a:xfrm>
-            <a:off x="9215813" y="13258606"/>
-            <a:ext cx="3931920" cy="2211705"/>
-          </a:xfrm>
-          <a:prstGeom prst="rect">
-            <a:avLst/>
-          </a:prstGeom>
-        </p:spPr>
-      </p:pic>
-      <p:pic>
-        <p:nvPicPr>
-          <p:cNvPr id="24" name="图片 23">
-            <a:extLst>
-              <a:ext uri="{FF2B5EF4-FFF2-40B4-BE49-F238E27FC236}">
-                <a16:creationId xmlns:a16="http://schemas.microsoft.com/office/drawing/2014/main" id="{AD5D7A68-2368-004D-9ADB-1EC551EF55F1}"/>
-              </a:ext>
-            </a:extLst>
-          </p:cNvPr>
-          <p:cNvPicPr>
-            <a:picLocks noChangeAspect="1"/>
-          </p:cNvPicPr>
-          <p:nvPr/>
-        </p:nvPicPr>
-        <p:blipFill>
-          <a:blip r:embed="rId20"/>
-          <a:srcRect/>
-          <a:stretch/>
-        </p:blipFill>
-        <p:spPr>
-          <a:xfrm>
-            <a:off x="13363213" y="1857189"/>
-            <a:ext cx="3931920" cy="2211705"/>
-          </a:xfrm>
-          <a:prstGeom prst="rect">
-            <a:avLst/>
-          </a:prstGeom>
-        </p:spPr>
-      </p:pic>
-      <p:pic>
-        <p:nvPicPr>
-          <p:cNvPr id="26" name="图片 25">
-            <a:extLst>
-              <a:ext uri="{FF2B5EF4-FFF2-40B4-BE49-F238E27FC236}">
-                <a16:creationId xmlns:a16="http://schemas.microsoft.com/office/drawing/2014/main" id="{EBC2B660-2C15-634C-8758-E65AEE1309C7}"/>
-              </a:ext>
-            </a:extLst>
-          </p:cNvPr>
-          <p:cNvPicPr>
-            <a:picLocks noChangeAspect="1"/>
-          </p:cNvPicPr>
-          <p:nvPr/>
-        </p:nvPicPr>
-        <p:blipFill>
-          <a:blip r:embed="rId21"/>
-          <a:srcRect/>
-          <a:stretch/>
-        </p:blipFill>
-        <p:spPr>
-          <a:xfrm>
-            <a:off x="13363213" y="4137473"/>
-            <a:ext cx="3931920" cy="2211705"/>
-          </a:xfrm>
-          <a:prstGeom prst="rect">
-            <a:avLst/>
-          </a:prstGeom>
-        </p:spPr>
-      </p:pic>
-      <p:pic>
-        <p:nvPicPr>
-          <p:cNvPr id="30" name="图片 29">
-            <a:extLst>
-              <a:ext uri="{FF2B5EF4-FFF2-40B4-BE49-F238E27FC236}">
-                <a16:creationId xmlns:a16="http://schemas.microsoft.com/office/drawing/2014/main" id="{3566EFC4-B199-7247-91A9-D11CAB53501D}"/>
-              </a:ext>
-            </a:extLst>
-          </p:cNvPr>
-          <p:cNvPicPr>
-            <a:picLocks noChangeAspect="1"/>
-          </p:cNvPicPr>
-          <p:nvPr/>
-        </p:nvPicPr>
-        <p:blipFill>
-          <a:blip r:embed="rId22"/>
-          <a:srcRect/>
-          <a:stretch/>
-        </p:blipFill>
-        <p:spPr>
-          <a:xfrm>
-            <a:off x="13363213" y="6417758"/>
-            <a:ext cx="3931920" cy="2211705"/>
-          </a:xfrm>
-          <a:prstGeom prst="rect">
-            <a:avLst/>
-          </a:prstGeom>
-        </p:spPr>
-      </p:pic>
-      <p:pic>
-        <p:nvPicPr>
-          <p:cNvPr id="33" name="图片 32">
-            <a:extLst>
-              <a:ext uri="{FF2B5EF4-FFF2-40B4-BE49-F238E27FC236}">
-                <a16:creationId xmlns:a16="http://schemas.microsoft.com/office/drawing/2014/main" id="{CD2B31B8-D2E1-8143-8156-D537D318C43A}"/>
-              </a:ext>
-            </a:extLst>
-          </p:cNvPr>
-          <p:cNvPicPr>
-            <a:picLocks noChangeAspect="1"/>
-          </p:cNvPicPr>
-          <p:nvPr/>
-        </p:nvPicPr>
-        <p:blipFill>
-          <a:blip r:embed="rId23"/>
-          <a:srcRect/>
-          <a:stretch/>
-        </p:blipFill>
-        <p:spPr>
-          <a:xfrm>
-            <a:off x="13363213" y="8698042"/>
-            <a:ext cx="3931920" cy="2211705"/>
-          </a:xfrm>
-          <a:prstGeom prst="rect">
-            <a:avLst/>
-          </a:prstGeom>
-        </p:spPr>
-      </p:pic>
-      <p:pic>
-        <p:nvPicPr>
-          <p:cNvPr id="35" name="图片 34">
-            <a:extLst>
-              <a:ext uri="{FF2B5EF4-FFF2-40B4-BE49-F238E27FC236}">
-                <a16:creationId xmlns:a16="http://schemas.microsoft.com/office/drawing/2014/main" id="{F0CBC853-5CA8-4149-A8CE-BE24E8205C0B}"/>
-              </a:ext>
-            </a:extLst>
-          </p:cNvPr>
-          <p:cNvPicPr>
-            <a:picLocks noChangeAspect="1"/>
-          </p:cNvPicPr>
-          <p:nvPr/>
-        </p:nvPicPr>
-        <p:blipFill>
-          <a:blip r:embed="rId24"/>
-          <a:srcRect/>
-          <a:stretch/>
-        </p:blipFill>
-        <p:spPr>
-          <a:xfrm>
-            <a:off x="13363213" y="10978323"/>
-            <a:ext cx="3931920" cy="2211705"/>
-          </a:xfrm>
-          <a:prstGeom prst="rect">
-            <a:avLst/>
-          </a:prstGeom>
-        </p:spPr>
-      </p:pic>
-      <p:pic>
-        <p:nvPicPr>
-          <p:cNvPr id="37" name="图片 36">
-            <a:extLst>
-              <a:ext uri="{FF2B5EF4-FFF2-40B4-BE49-F238E27FC236}">
-                <a16:creationId xmlns:a16="http://schemas.microsoft.com/office/drawing/2014/main" id="{0F4F8B3B-EE24-F14B-ADFC-0CCDD4A2AD88}"/>
-              </a:ext>
-            </a:extLst>
-          </p:cNvPr>
-          <p:cNvPicPr>
-            <a:picLocks noChangeAspect="1"/>
-          </p:cNvPicPr>
-          <p:nvPr/>
-        </p:nvPicPr>
-        <p:blipFill>
-          <a:blip r:embed="rId25"/>
-          <a:srcRect/>
-          <a:stretch/>
-        </p:blipFill>
-        <p:spPr>
-          <a:xfrm>
-            <a:off x="13363213" y="13258606"/>
-            <a:ext cx="3931920" cy="2211705"/>
+            <a:off x="6816972" y="9036492"/>
+            <a:ext cx="4160000" cy="2340000"/>
           </a:xfrm>
           <a:prstGeom prst="rect">
             <a:avLst/>
@@ -5024,7 +5345,7 @@
     </p:spTree>
     <p:extLst>
       <p:ext uri="{BB962C8B-B14F-4D97-AF65-F5344CB8AC3E}">
-        <p14:creationId xmlns:p14="http://schemas.microsoft.com/office/powerpoint/2010/main" val="2238722885"/>
+        <p14:creationId xmlns:p14="http://schemas.microsoft.com/office/powerpoint/2010/main" val="2896204731"/>
       </p:ext>
     </p:extLst>
   </p:cSld>
